--- a/doc/layout2.pptx
+++ b/doc/layout2.pptx
@@ -7,6 +7,7 @@
   <p:sldIdLst>
     <p:sldId id="256" r:id="rId2"/>
     <p:sldId id="257" r:id="rId3"/>
+    <p:sldId id="258" r:id="rId4"/>
   </p:sldIdLst>
   <p:sldSz cx="12192000" cy="6858000"/>
   <p:notesSz cx="6858000" cy="9144000"/>
@@ -105,6 +106,11 @@
       </a:defRPr>
     </a:lvl9pPr>
   </p:defaultTextStyle>
+  <p:extLst>
+    <p:ext uri="{EFAFB233-063F-42B5-8137-9DF3F51BA10A}">
+      <p15:sldGuideLst xmlns:p15="http://schemas.microsoft.com/office/powerpoint/2012/main"/>
+    </p:ext>
+  </p:extLst>
 </p:presentation>
 </file>
 
@@ -150,10 +156,9 @@
           </a:lstStyle>
           <a:p>
             <a:r>
-              <a:rPr lang="en-US" smtClean="0"/>
+              <a:rPr lang="en-US"/>
               <a:t>Click to edit Master title style</a:t>
             </a:r>
-            <a:endParaRPr lang="en-US"/>
           </a:p>
         </p:txBody>
       </p:sp>
@@ -215,10 +220,9 @@
           </a:lstStyle>
           <a:p>
             <a:r>
-              <a:rPr lang="en-US" smtClean="0"/>
+              <a:rPr lang="en-US"/>
               <a:t>Click to edit Master subtitle style</a:t>
             </a:r>
-            <a:endParaRPr lang="en-US"/>
           </a:p>
         </p:txBody>
       </p:sp>
@@ -239,7 +243,7 @@
           <a:p>
             <a:fld id="{A3F72A7E-D762-4931-8DE4-B29661F5AB78}" type="datetimeFigureOut">
               <a:rPr lang="en-US" smtClean="0"/>
-              <a:t>4/30/2018</a:t>
+              <a:t>6/14/2018</a:t>
             </a:fld>
             <a:endParaRPr lang="en-US"/>
           </a:p>
@@ -333,10 +337,9 @@
           <a:lstStyle/>
           <a:p>
             <a:r>
-              <a:rPr lang="en-US" smtClean="0"/>
+              <a:rPr lang="en-US"/>
               <a:t>Click to edit Master title style</a:t>
             </a:r>
-            <a:endParaRPr lang="en-US"/>
           </a:p>
         </p:txBody>
       </p:sp>
@@ -357,38 +360,37 @@
           <a:p>
             <a:pPr lvl="0"/>
             <a:r>
-              <a:rPr lang="en-US" smtClean="0"/>
+              <a:rPr lang="en-US"/>
               <a:t>Edit Master text styles</a:t>
             </a:r>
           </a:p>
           <a:p>
             <a:pPr lvl="1"/>
             <a:r>
-              <a:rPr lang="en-US" smtClean="0"/>
+              <a:rPr lang="en-US"/>
               <a:t>Second level</a:t>
             </a:r>
           </a:p>
           <a:p>
             <a:pPr lvl="2"/>
             <a:r>
-              <a:rPr lang="en-US" smtClean="0"/>
+              <a:rPr lang="en-US"/>
               <a:t>Third level</a:t>
             </a:r>
           </a:p>
           <a:p>
             <a:pPr lvl="3"/>
             <a:r>
-              <a:rPr lang="en-US" smtClean="0"/>
+              <a:rPr lang="en-US"/>
               <a:t>Fourth level</a:t>
             </a:r>
           </a:p>
           <a:p>
             <a:pPr lvl="4"/>
             <a:r>
-              <a:rPr lang="en-US" smtClean="0"/>
+              <a:rPr lang="en-US"/>
               <a:t>Fifth level</a:t>
             </a:r>
-            <a:endParaRPr lang="en-US"/>
           </a:p>
         </p:txBody>
       </p:sp>
@@ -409,7 +411,7 @@
           <a:p>
             <a:fld id="{A3F72A7E-D762-4931-8DE4-B29661F5AB78}" type="datetimeFigureOut">
               <a:rPr lang="en-US" smtClean="0"/>
-              <a:t>4/30/2018</a:t>
+              <a:t>6/14/2018</a:t>
             </a:fld>
             <a:endParaRPr lang="en-US"/>
           </a:p>
@@ -508,10 +510,9 @@
           <a:lstStyle/>
           <a:p>
             <a:r>
-              <a:rPr lang="en-US" smtClean="0"/>
+              <a:rPr lang="en-US"/>
               <a:t>Click to edit Master title style</a:t>
             </a:r>
-            <a:endParaRPr lang="en-US"/>
           </a:p>
         </p:txBody>
       </p:sp>
@@ -537,38 +538,37 @@
           <a:p>
             <a:pPr lvl="0"/>
             <a:r>
-              <a:rPr lang="en-US" smtClean="0"/>
+              <a:rPr lang="en-US"/>
               <a:t>Edit Master text styles</a:t>
             </a:r>
           </a:p>
           <a:p>
             <a:pPr lvl="1"/>
             <a:r>
-              <a:rPr lang="en-US" smtClean="0"/>
+              <a:rPr lang="en-US"/>
               <a:t>Second level</a:t>
             </a:r>
           </a:p>
           <a:p>
             <a:pPr lvl="2"/>
             <a:r>
-              <a:rPr lang="en-US" smtClean="0"/>
+              <a:rPr lang="en-US"/>
               <a:t>Third level</a:t>
             </a:r>
           </a:p>
           <a:p>
             <a:pPr lvl="3"/>
             <a:r>
-              <a:rPr lang="en-US" smtClean="0"/>
+              <a:rPr lang="en-US"/>
               <a:t>Fourth level</a:t>
             </a:r>
           </a:p>
           <a:p>
             <a:pPr lvl="4"/>
             <a:r>
-              <a:rPr lang="en-US" smtClean="0"/>
+              <a:rPr lang="en-US"/>
               <a:t>Fifth level</a:t>
             </a:r>
-            <a:endParaRPr lang="en-US"/>
           </a:p>
         </p:txBody>
       </p:sp>
@@ -589,7 +589,7 @@
           <a:p>
             <a:fld id="{A3F72A7E-D762-4931-8DE4-B29661F5AB78}" type="datetimeFigureOut">
               <a:rPr lang="en-US" smtClean="0"/>
-              <a:t>4/30/2018</a:t>
+              <a:t>6/14/2018</a:t>
             </a:fld>
             <a:endParaRPr lang="en-US"/>
           </a:p>
@@ -683,10 +683,9 @@
           <a:lstStyle/>
           <a:p>
             <a:r>
-              <a:rPr lang="en-US" smtClean="0"/>
+              <a:rPr lang="en-US"/>
               <a:t>Click to edit Master title style</a:t>
             </a:r>
-            <a:endParaRPr lang="en-US"/>
           </a:p>
         </p:txBody>
       </p:sp>
@@ -707,38 +706,37 @@
           <a:p>
             <a:pPr lvl="0"/>
             <a:r>
-              <a:rPr lang="en-US" smtClean="0"/>
+              <a:rPr lang="en-US"/>
               <a:t>Edit Master text styles</a:t>
             </a:r>
           </a:p>
           <a:p>
             <a:pPr lvl="1"/>
             <a:r>
-              <a:rPr lang="en-US" smtClean="0"/>
+              <a:rPr lang="en-US"/>
               <a:t>Second level</a:t>
             </a:r>
           </a:p>
           <a:p>
             <a:pPr lvl="2"/>
             <a:r>
-              <a:rPr lang="en-US" smtClean="0"/>
+              <a:rPr lang="en-US"/>
               <a:t>Third level</a:t>
             </a:r>
           </a:p>
           <a:p>
             <a:pPr lvl="3"/>
             <a:r>
-              <a:rPr lang="en-US" smtClean="0"/>
+              <a:rPr lang="en-US"/>
               <a:t>Fourth level</a:t>
             </a:r>
           </a:p>
           <a:p>
             <a:pPr lvl="4"/>
             <a:r>
-              <a:rPr lang="en-US" smtClean="0"/>
+              <a:rPr lang="en-US"/>
               <a:t>Fifth level</a:t>
             </a:r>
-            <a:endParaRPr lang="en-US"/>
           </a:p>
         </p:txBody>
       </p:sp>
@@ -759,7 +757,7 @@
           <a:p>
             <a:fld id="{A3F72A7E-D762-4931-8DE4-B29661F5AB78}" type="datetimeFigureOut">
               <a:rPr lang="en-US" smtClean="0"/>
-              <a:t>4/30/2018</a:t>
+              <a:t>6/14/2018</a:t>
             </a:fld>
             <a:endParaRPr lang="en-US"/>
           </a:p>
@@ -862,10 +860,9 @@
           </a:lstStyle>
           <a:p>
             <a:r>
-              <a:rPr lang="en-US" smtClean="0"/>
+              <a:rPr lang="en-US"/>
               <a:t>Click to edit Master title style</a:t>
             </a:r>
-            <a:endParaRPr lang="en-US"/>
           </a:p>
         </p:txBody>
       </p:sp>
@@ -982,7 +979,7 @@
           <a:p>
             <a:pPr lvl="0"/>
             <a:r>
-              <a:rPr lang="en-US" smtClean="0"/>
+              <a:rPr lang="en-US"/>
               <a:t>Edit Master text styles</a:t>
             </a:r>
           </a:p>
@@ -1005,7 +1002,7 @@
           <a:p>
             <a:fld id="{A3F72A7E-D762-4931-8DE4-B29661F5AB78}" type="datetimeFigureOut">
               <a:rPr lang="en-US" smtClean="0"/>
-              <a:t>4/30/2018</a:t>
+              <a:t>6/14/2018</a:t>
             </a:fld>
             <a:endParaRPr lang="en-US"/>
           </a:p>
@@ -1099,10 +1096,9 @@
           <a:lstStyle/>
           <a:p>
             <a:r>
-              <a:rPr lang="en-US" smtClean="0"/>
+              <a:rPr lang="en-US"/>
               <a:t>Click to edit Master title style</a:t>
             </a:r>
-            <a:endParaRPr lang="en-US"/>
           </a:p>
         </p:txBody>
       </p:sp>
@@ -1128,38 +1124,37 @@
           <a:p>
             <a:pPr lvl="0"/>
             <a:r>
-              <a:rPr lang="en-US" smtClean="0"/>
+              <a:rPr lang="en-US"/>
               <a:t>Edit Master text styles</a:t>
             </a:r>
           </a:p>
           <a:p>
             <a:pPr lvl="1"/>
             <a:r>
-              <a:rPr lang="en-US" smtClean="0"/>
+              <a:rPr lang="en-US"/>
               <a:t>Second level</a:t>
             </a:r>
           </a:p>
           <a:p>
             <a:pPr lvl="2"/>
             <a:r>
-              <a:rPr lang="en-US" smtClean="0"/>
+              <a:rPr lang="en-US"/>
               <a:t>Third level</a:t>
             </a:r>
           </a:p>
           <a:p>
             <a:pPr lvl="3"/>
             <a:r>
-              <a:rPr lang="en-US" smtClean="0"/>
+              <a:rPr lang="en-US"/>
               <a:t>Fourth level</a:t>
             </a:r>
           </a:p>
           <a:p>
             <a:pPr lvl="4"/>
             <a:r>
-              <a:rPr lang="en-US" smtClean="0"/>
+              <a:rPr lang="en-US"/>
               <a:t>Fifth level</a:t>
             </a:r>
-            <a:endParaRPr lang="en-US"/>
           </a:p>
         </p:txBody>
       </p:sp>
@@ -1185,38 +1180,37 @@
           <a:p>
             <a:pPr lvl="0"/>
             <a:r>
-              <a:rPr lang="en-US" smtClean="0"/>
+              <a:rPr lang="en-US"/>
               <a:t>Edit Master text styles</a:t>
             </a:r>
           </a:p>
           <a:p>
             <a:pPr lvl="1"/>
             <a:r>
-              <a:rPr lang="en-US" smtClean="0"/>
+              <a:rPr lang="en-US"/>
               <a:t>Second level</a:t>
             </a:r>
           </a:p>
           <a:p>
             <a:pPr lvl="2"/>
             <a:r>
-              <a:rPr lang="en-US" smtClean="0"/>
+              <a:rPr lang="en-US"/>
               <a:t>Third level</a:t>
             </a:r>
           </a:p>
           <a:p>
             <a:pPr lvl="3"/>
             <a:r>
-              <a:rPr lang="en-US" smtClean="0"/>
+              <a:rPr lang="en-US"/>
               <a:t>Fourth level</a:t>
             </a:r>
           </a:p>
           <a:p>
             <a:pPr lvl="4"/>
             <a:r>
-              <a:rPr lang="en-US" smtClean="0"/>
+              <a:rPr lang="en-US"/>
               <a:t>Fifth level</a:t>
             </a:r>
-            <a:endParaRPr lang="en-US"/>
           </a:p>
         </p:txBody>
       </p:sp>
@@ -1237,7 +1231,7 @@
           <a:p>
             <a:fld id="{A3F72A7E-D762-4931-8DE4-B29661F5AB78}" type="datetimeFigureOut">
               <a:rPr lang="en-US" smtClean="0"/>
-              <a:t>4/30/2018</a:t>
+              <a:t>6/14/2018</a:t>
             </a:fld>
             <a:endParaRPr lang="en-US"/>
           </a:p>
@@ -1336,10 +1330,9 @@
           <a:lstStyle/>
           <a:p>
             <a:r>
-              <a:rPr lang="en-US" smtClean="0"/>
+              <a:rPr lang="en-US"/>
               <a:t>Click to edit Master title style</a:t>
             </a:r>
-            <a:endParaRPr lang="en-US"/>
           </a:p>
         </p:txBody>
       </p:sp>
@@ -1402,7 +1395,7 @@
           <a:p>
             <a:pPr lvl="0"/>
             <a:r>
-              <a:rPr lang="en-US" smtClean="0"/>
+              <a:rPr lang="en-US"/>
               <a:t>Edit Master text styles</a:t>
             </a:r>
           </a:p>
@@ -1430,38 +1423,37 @@
           <a:p>
             <a:pPr lvl="0"/>
             <a:r>
-              <a:rPr lang="en-US" smtClean="0"/>
+              <a:rPr lang="en-US"/>
               <a:t>Edit Master text styles</a:t>
             </a:r>
           </a:p>
           <a:p>
             <a:pPr lvl="1"/>
             <a:r>
-              <a:rPr lang="en-US" smtClean="0"/>
+              <a:rPr lang="en-US"/>
               <a:t>Second level</a:t>
             </a:r>
           </a:p>
           <a:p>
             <a:pPr lvl="2"/>
             <a:r>
-              <a:rPr lang="en-US" smtClean="0"/>
+              <a:rPr lang="en-US"/>
               <a:t>Third level</a:t>
             </a:r>
           </a:p>
           <a:p>
             <a:pPr lvl="3"/>
             <a:r>
-              <a:rPr lang="en-US" smtClean="0"/>
+              <a:rPr lang="en-US"/>
               <a:t>Fourth level</a:t>
             </a:r>
           </a:p>
           <a:p>
             <a:pPr lvl="4"/>
             <a:r>
-              <a:rPr lang="en-US" smtClean="0"/>
+              <a:rPr lang="en-US"/>
               <a:t>Fifth level</a:t>
             </a:r>
-            <a:endParaRPr lang="en-US"/>
           </a:p>
         </p:txBody>
       </p:sp>
@@ -1524,7 +1516,7 @@
           <a:p>
             <a:pPr lvl="0"/>
             <a:r>
-              <a:rPr lang="en-US" smtClean="0"/>
+              <a:rPr lang="en-US"/>
               <a:t>Edit Master text styles</a:t>
             </a:r>
           </a:p>
@@ -1552,38 +1544,37 @@
           <a:p>
             <a:pPr lvl="0"/>
             <a:r>
-              <a:rPr lang="en-US" smtClean="0"/>
+              <a:rPr lang="en-US"/>
               <a:t>Edit Master text styles</a:t>
             </a:r>
           </a:p>
           <a:p>
             <a:pPr lvl="1"/>
             <a:r>
-              <a:rPr lang="en-US" smtClean="0"/>
+              <a:rPr lang="en-US"/>
               <a:t>Second level</a:t>
             </a:r>
           </a:p>
           <a:p>
             <a:pPr lvl="2"/>
             <a:r>
-              <a:rPr lang="en-US" smtClean="0"/>
+              <a:rPr lang="en-US"/>
               <a:t>Third level</a:t>
             </a:r>
           </a:p>
           <a:p>
             <a:pPr lvl="3"/>
             <a:r>
-              <a:rPr lang="en-US" smtClean="0"/>
+              <a:rPr lang="en-US"/>
               <a:t>Fourth level</a:t>
             </a:r>
           </a:p>
           <a:p>
             <a:pPr lvl="4"/>
             <a:r>
-              <a:rPr lang="en-US" smtClean="0"/>
+              <a:rPr lang="en-US"/>
               <a:t>Fifth level</a:t>
             </a:r>
-            <a:endParaRPr lang="en-US"/>
           </a:p>
         </p:txBody>
       </p:sp>
@@ -1604,7 +1595,7 @@
           <a:p>
             <a:fld id="{A3F72A7E-D762-4931-8DE4-B29661F5AB78}" type="datetimeFigureOut">
               <a:rPr lang="en-US" smtClean="0"/>
-              <a:t>4/30/2018</a:t>
+              <a:t>6/14/2018</a:t>
             </a:fld>
             <a:endParaRPr lang="en-US"/>
           </a:p>
@@ -1698,10 +1689,9 @@
           <a:lstStyle/>
           <a:p>
             <a:r>
-              <a:rPr lang="en-US" smtClean="0"/>
+              <a:rPr lang="en-US"/>
               <a:t>Click to edit Master title style</a:t>
             </a:r>
-            <a:endParaRPr lang="en-US"/>
           </a:p>
         </p:txBody>
       </p:sp>
@@ -1722,7 +1712,7 @@
           <a:p>
             <a:fld id="{A3F72A7E-D762-4931-8DE4-B29661F5AB78}" type="datetimeFigureOut">
               <a:rPr lang="en-US" smtClean="0"/>
-              <a:t>4/30/2018</a:t>
+              <a:t>6/14/2018</a:t>
             </a:fld>
             <a:endParaRPr lang="en-US"/>
           </a:p>
@@ -1817,7 +1807,7 @@
           <a:p>
             <a:fld id="{A3F72A7E-D762-4931-8DE4-B29661F5AB78}" type="datetimeFigureOut">
               <a:rPr lang="en-US" smtClean="0"/>
-              <a:t>4/30/2018</a:t>
+              <a:t>6/14/2018</a:t>
             </a:fld>
             <a:endParaRPr lang="en-US"/>
           </a:p>
@@ -1920,10 +1910,9 @@
           </a:lstStyle>
           <a:p>
             <a:r>
-              <a:rPr lang="en-US" smtClean="0"/>
+              <a:rPr lang="en-US"/>
               <a:t>Click to edit Master title style</a:t>
             </a:r>
-            <a:endParaRPr lang="en-US"/>
           </a:p>
         </p:txBody>
       </p:sp>
@@ -1977,38 +1966,37 @@
           <a:p>
             <a:pPr lvl="0"/>
             <a:r>
-              <a:rPr lang="en-US" smtClean="0"/>
+              <a:rPr lang="en-US"/>
               <a:t>Edit Master text styles</a:t>
             </a:r>
           </a:p>
           <a:p>
             <a:pPr lvl="1"/>
             <a:r>
-              <a:rPr lang="en-US" smtClean="0"/>
+              <a:rPr lang="en-US"/>
               <a:t>Second level</a:t>
             </a:r>
           </a:p>
           <a:p>
             <a:pPr lvl="2"/>
             <a:r>
-              <a:rPr lang="en-US" smtClean="0"/>
+              <a:rPr lang="en-US"/>
               <a:t>Third level</a:t>
             </a:r>
           </a:p>
           <a:p>
             <a:pPr lvl="3"/>
             <a:r>
-              <a:rPr lang="en-US" smtClean="0"/>
+              <a:rPr lang="en-US"/>
               <a:t>Fourth level</a:t>
             </a:r>
           </a:p>
           <a:p>
             <a:pPr lvl="4"/>
             <a:r>
-              <a:rPr lang="en-US" smtClean="0"/>
+              <a:rPr lang="en-US"/>
               <a:t>Fifth level</a:t>
             </a:r>
-            <a:endParaRPr lang="en-US"/>
           </a:p>
         </p:txBody>
       </p:sp>
@@ -2071,7 +2059,7 @@
           <a:p>
             <a:pPr lvl="0"/>
             <a:r>
-              <a:rPr lang="en-US" smtClean="0"/>
+              <a:rPr lang="en-US"/>
               <a:t>Edit Master text styles</a:t>
             </a:r>
           </a:p>
@@ -2094,7 +2082,7 @@
           <a:p>
             <a:fld id="{A3F72A7E-D762-4931-8DE4-B29661F5AB78}" type="datetimeFigureOut">
               <a:rPr lang="en-US" smtClean="0"/>
-              <a:t>4/30/2018</a:t>
+              <a:t>6/14/2018</a:t>
             </a:fld>
             <a:endParaRPr lang="en-US"/>
           </a:p>
@@ -2197,10 +2185,9 @@
           </a:lstStyle>
           <a:p>
             <a:r>
-              <a:rPr lang="en-US" smtClean="0"/>
+              <a:rPr lang="en-US"/>
               <a:t>Click to edit Master title style</a:t>
             </a:r>
-            <a:endParaRPr lang="en-US"/>
           </a:p>
         </p:txBody>
       </p:sp>
@@ -2324,7 +2311,7 @@
           <a:p>
             <a:pPr lvl="0"/>
             <a:r>
-              <a:rPr lang="en-US" smtClean="0"/>
+              <a:rPr lang="en-US"/>
               <a:t>Edit Master text styles</a:t>
             </a:r>
           </a:p>
@@ -2347,7 +2334,7 @@
           <a:p>
             <a:fld id="{A3F72A7E-D762-4931-8DE4-B29661F5AB78}" type="datetimeFigureOut">
               <a:rPr lang="en-US" smtClean="0"/>
-              <a:t>4/30/2018</a:t>
+              <a:t>6/14/2018</a:t>
             </a:fld>
             <a:endParaRPr lang="en-US"/>
           </a:p>
@@ -2456,10 +2443,9 @@
           <a:lstStyle/>
           <a:p>
             <a:r>
-              <a:rPr lang="en-US" smtClean="0"/>
+              <a:rPr lang="en-US"/>
               <a:t>Click to edit Master title style</a:t>
             </a:r>
-            <a:endParaRPr lang="en-US"/>
           </a:p>
         </p:txBody>
       </p:sp>
@@ -2490,38 +2476,37 @@
           <a:p>
             <a:pPr lvl="0"/>
             <a:r>
-              <a:rPr lang="en-US" smtClean="0"/>
+              <a:rPr lang="en-US"/>
               <a:t>Edit Master text styles</a:t>
             </a:r>
           </a:p>
           <a:p>
             <a:pPr lvl="1"/>
             <a:r>
-              <a:rPr lang="en-US" smtClean="0"/>
+              <a:rPr lang="en-US"/>
               <a:t>Second level</a:t>
             </a:r>
           </a:p>
           <a:p>
             <a:pPr lvl="2"/>
             <a:r>
-              <a:rPr lang="en-US" smtClean="0"/>
+              <a:rPr lang="en-US"/>
               <a:t>Third level</a:t>
             </a:r>
           </a:p>
           <a:p>
             <a:pPr lvl="3"/>
             <a:r>
-              <a:rPr lang="en-US" smtClean="0"/>
+              <a:rPr lang="en-US"/>
               <a:t>Fourth level</a:t>
             </a:r>
           </a:p>
           <a:p>
             <a:pPr lvl="4"/>
             <a:r>
-              <a:rPr lang="en-US" smtClean="0"/>
+              <a:rPr lang="en-US"/>
               <a:t>Fifth level</a:t>
             </a:r>
-            <a:endParaRPr lang="en-US"/>
           </a:p>
         </p:txBody>
       </p:sp>
@@ -2560,7 +2545,7 @@
           <a:p>
             <a:fld id="{A3F72A7E-D762-4931-8DE4-B29661F5AB78}" type="datetimeFigureOut">
               <a:rPr lang="en-US" smtClean="0"/>
-              <a:t>4/30/2018</a:t>
+              <a:t>6/14/2018</a:t>
             </a:fld>
             <a:endParaRPr lang="en-US"/>
           </a:p>
@@ -3408,10 +3393,9 @@
             <a:lstStyle/>
             <a:p>
               <a:r>
-                <a:rPr lang="en-US" dirty="0" smtClean="0"/>
+                <a:rPr lang="en-US" dirty="0"/>
                 <a:t>Y</a:t>
               </a:r>
-              <a:endParaRPr lang="en-US" dirty="0"/>
             </a:p>
           </p:txBody>
         </p:sp>
@@ -3424,66 +3408,6 @@
           <p:spPr>
             <a:xfrm>
               <a:off x="2738188" y="4164593"/>
-              <a:ext cx="304892" cy="369332"/>
-            </a:xfrm>
-            <a:prstGeom prst="rect">
-              <a:avLst/>
-            </a:prstGeom>
-            <a:noFill/>
-          </p:spPr>
-          <p:txBody>
-            <a:bodyPr wrap="none" rtlCol="0">
-              <a:spAutoFit/>
-            </a:bodyPr>
-            <a:lstStyle/>
-            <a:p>
-              <a:r>
-                <a:rPr lang="en-US" dirty="0" smtClean="0"/>
-                <a:t>X</a:t>
-              </a:r>
-              <a:endParaRPr lang="en-US" dirty="0"/>
-            </a:p>
-          </p:txBody>
-        </p:sp>
-        <p:sp>
-          <p:nvSpPr>
-            <p:cNvPr id="26" name="TextBox 25"/>
-            <p:cNvSpPr txBox="1"/>
-            <p:nvPr/>
-          </p:nvSpPr>
-          <p:spPr>
-            <a:xfrm>
-              <a:off x="1704577" y="4164593"/>
-              <a:ext cx="292068" cy="369332"/>
-            </a:xfrm>
-            <a:prstGeom prst="rect">
-              <a:avLst/>
-            </a:prstGeom>
-            <a:noFill/>
-          </p:spPr>
-          <p:txBody>
-            <a:bodyPr wrap="none" rtlCol="0">
-              <a:spAutoFit/>
-            </a:bodyPr>
-            <a:lstStyle/>
-            <a:p>
-              <a:r>
-                <a:rPr lang="en-US" dirty="0" smtClean="0"/>
-                <a:t>Z</a:t>
-              </a:r>
-              <a:endParaRPr lang="en-US" dirty="0"/>
-            </a:p>
-          </p:txBody>
-        </p:sp>
-        <p:sp>
-          <p:nvSpPr>
-            <p:cNvPr id="36" name="TextBox 35"/>
-            <p:cNvSpPr txBox="1"/>
-            <p:nvPr/>
-          </p:nvSpPr>
-          <p:spPr>
-            <a:xfrm>
-              <a:off x="4056489" y="2993457"/>
               <a:ext cx="304892" cy="369332"/>
             </a:xfrm>
             <a:prstGeom prst="rect">
@@ -3506,14 +3430,14 @@
         </p:sp>
         <p:sp>
           <p:nvSpPr>
-            <p:cNvPr id="37" name="TextBox 36"/>
+            <p:cNvPr id="26" name="TextBox 25"/>
             <p:cNvSpPr txBox="1"/>
             <p:nvPr/>
           </p:nvSpPr>
           <p:spPr>
             <a:xfrm>
-              <a:off x="5069206" y="4164593"/>
-              <a:ext cx="304892" cy="369332"/>
+              <a:off x="1704577" y="4164593"/>
+              <a:ext cx="292068" cy="369332"/>
             </a:xfrm>
             <a:prstGeom prst="rect">
               <a:avLst/>
@@ -3527,23 +3451,22 @@
             <a:lstStyle/>
             <a:p>
               <a:r>
-                <a:rPr lang="en-US" dirty="0" smtClean="0"/>
-                <a:t>Y</a:t>
+                <a:rPr lang="en-US" dirty="0"/>
+                <a:t>Z</a:t>
               </a:r>
-              <a:endParaRPr lang="en-US" dirty="0"/>
-            </a:p>
-          </p:txBody>
-        </p:sp>
-        <p:sp>
-          <p:nvSpPr>
-            <p:cNvPr id="38" name="TextBox 37"/>
+            </a:p>
+          </p:txBody>
+        </p:sp>
+        <p:sp>
+          <p:nvSpPr>
+            <p:cNvPr id="36" name="TextBox 35"/>
             <p:cNvSpPr txBox="1"/>
             <p:nvPr/>
           </p:nvSpPr>
           <p:spPr>
             <a:xfrm>
-              <a:off x="4035595" y="4164593"/>
-              <a:ext cx="292068" cy="369332"/>
+              <a:off x="4056489" y="2993457"/>
+              <a:ext cx="304892" cy="369332"/>
             </a:xfrm>
             <a:prstGeom prst="rect">
               <a:avLst/>
@@ -3557,23 +3480,22 @@
             <a:lstStyle/>
             <a:p>
               <a:r>
-                <a:rPr lang="en-US" dirty="0" smtClean="0"/>
-                <a:t>Z</a:t>
+                <a:rPr lang="en-US" dirty="0"/>
+                <a:t>X</a:t>
               </a:r>
-              <a:endParaRPr lang="en-US" dirty="0"/>
-            </a:p>
-          </p:txBody>
-        </p:sp>
-        <p:sp>
-          <p:nvSpPr>
-            <p:cNvPr id="39" name="TextBox 38"/>
+            </a:p>
+          </p:txBody>
+        </p:sp>
+        <p:sp>
+          <p:nvSpPr>
+            <p:cNvPr id="37" name="TextBox 36"/>
             <p:cNvSpPr txBox="1"/>
             <p:nvPr/>
           </p:nvSpPr>
           <p:spPr>
             <a:xfrm>
-              <a:off x="7780345" y="4066299"/>
-              <a:ext cx="296876" cy="369332"/>
+              <a:off x="5069206" y="4164593"/>
+              <a:ext cx="304892" cy="369332"/>
             </a:xfrm>
             <a:prstGeom prst="rect">
               <a:avLst/>
@@ -3587,23 +3509,22 @@
             <a:lstStyle/>
             <a:p>
               <a:r>
-                <a:rPr lang="en-US" dirty="0" smtClean="0"/>
+                <a:rPr lang="en-US" dirty="0"/>
                 <a:t>Y</a:t>
               </a:r>
-              <a:endParaRPr lang="en-US" dirty="0"/>
-            </a:p>
-          </p:txBody>
-        </p:sp>
-        <p:sp>
-          <p:nvSpPr>
-            <p:cNvPr id="40" name="TextBox 39"/>
+            </a:p>
+          </p:txBody>
+        </p:sp>
+        <p:sp>
+          <p:nvSpPr>
+            <p:cNvPr id="38" name="TextBox 37"/>
             <p:cNvSpPr txBox="1"/>
             <p:nvPr/>
           </p:nvSpPr>
           <p:spPr>
             <a:xfrm>
-              <a:off x="8793062" y="3180035"/>
-              <a:ext cx="304892" cy="369332"/>
+              <a:off x="4035595" y="4164593"/>
+              <a:ext cx="292068" cy="369332"/>
             </a:xfrm>
             <a:prstGeom prst="rect">
               <a:avLst/>
@@ -3617,23 +3538,22 @@
             <a:lstStyle/>
             <a:p>
               <a:r>
-                <a:rPr lang="en-US" dirty="0" smtClean="0"/>
-                <a:t>X</a:t>
+                <a:rPr lang="en-US" dirty="0"/>
+                <a:t>Z</a:t>
               </a:r>
-              <a:endParaRPr lang="en-US" dirty="0"/>
-            </a:p>
-          </p:txBody>
-        </p:sp>
-        <p:sp>
-          <p:nvSpPr>
-            <p:cNvPr id="41" name="TextBox 40"/>
+            </a:p>
+          </p:txBody>
+        </p:sp>
+        <p:sp>
+          <p:nvSpPr>
+            <p:cNvPr id="39" name="TextBox 38"/>
             <p:cNvSpPr txBox="1"/>
             <p:nvPr/>
           </p:nvSpPr>
           <p:spPr>
             <a:xfrm>
-              <a:off x="7759451" y="3180035"/>
-              <a:ext cx="292068" cy="369332"/>
+              <a:off x="7780345" y="4066299"/>
+              <a:ext cx="296876" cy="369332"/>
             </a:xfrm>
             <a:prstGeom prst="rect">
               <a:avLst/>
@@ -3647,23 +3567,22 @@
             <a:lstStyle/>
             <a:p>
               <a:r>
-                <a:rPr lang="en-US" dirty="0" smtClean="0"/>
-                <a:t>Z</a:t>
+                <a:rPr lang="en-US" dirty="0"/>
+                <a:t>Y</a:t>
               </a:r>
-              <a:endParaRPr lang="en-US" dirty="0"/>
-            </a:p>
-          </p:txBody>
-        </p:sp>
-        <p:sp>
-          <p:nvSpPr>
-            <p:cNvPr id="42" name="TextBox 41"/>
+            </a:p>
+          </p:txBody>
+        </p:sp>
+        <p:sp>
+          <p:nvSpPr>
+            <p:cNvPr id="40" name="TextBox 39"/>
             <p:cNvSpPr txBox="1"/>
             <p:nvPr/>
           </p:nvSpPr>
           <p:spPr>
             <a:xfrm>
-              <a:off x="1803400" y="2277533"/>
-              <a:ext cx="1507849" cy="369332"/>
+              <a:off x="8793062" y="3180035"/>
+              <a:ext cx="304892" cy="369332"/>
             </a:xfrm>
             <a:prstGeom prst="rect">
               <a:avLst/>
@@ -3677,23 +3596,22 @@
             <a:lstStyle/>
             <a:p>
               <a:r>
-                <a:rPr lang="en-US" dirty="0" smtClean="0"/>
-                <a:t>WORLD (ENU)</a:t>
+                <a:rPr lang="en-US" dirty="0"/>
+                <a:t>X</a:t>
               </a:r>
-              <a:endParaRPr lang="en-US" dirty="0"/>
-            </a:p>
-          </p:txBody>
-        </p:sp>
-        <p:sp>
-          <p:nvSpPr>
-            <p:cNvPr id="43" name="TextBox 42"/>
+            </a:p>
+          </p:txBody>
+        </p:sp>
+        <p:sp>
+          <p:nvSpPr>
+            <p:cNvPr id="41" name="TextBox 40"/>
             <p:cNvSpPr txBox="1"/>
             <p:nvPr/>
           </p:nvSpPr>
           <p:spPr>
             <a:xfrm>
-              <a:off x="4056489" y="2325091"/>
-              <a:ext cx="1007071" cy="369332"/>
+              <a:off x="7759451" y="3180035"/>
+              <a:ext cx="292068" cy="369332"/>
             </a:xfrm>
             <a:prstGeom prst="rect">
               <a:avLst/>
@@ -3707,23 +3625,22 @@
             <a:lstStyle/>
             <a:p>
               <a:r>
-                <a:rPr lang="en-US" dirty="0" smtClean="0"/>
-                <a:t>Airframe</a:t>
+                <a:rPr lang="en-US" dirty="0"/>
+                <a:t>Z</a:t>
               </a:r>
-              <a:endParaRPr lang="en-US" dirty="0"/>
-            </a:p>
-          </p:txBody>
-        </p:sp>
-        <p:sp>
-          <p:nvSpPr>
-            <p:cNvPr id="44" name="TextBox 43"/>
+            </a:p>
+          </p:txBody>
+        </p:sp>
+        <p:sp>
+          <p:nvSpPr>
+            <p:cNvPr id="42" name="TextBox 41"/>
             <p:cNvSpPr txBox="1"/>
             <p:nvPr/>
           </p:nvSpPr>
           <p:spPr>
             <a:xfrm>
-              <a:off x="7703917" y="2327924"/>
-              <a:ext cx="904478" cy="369332"/>
+              <a:off x="1803400" y="2277533"/>
+              <a:ext cx="1507849" cy="369332"/>
             </a:xfrm>
             <a:prstGeom prst="rect">
               <a:avLst/>
@@ -3737,10 +3654,67 @@
             <a:lstStyle/>
             <a:p>
               <a:r>
-                <a:rPr lang="en-US" dirty="0" smtClean="0"/>
+                <a:rPr lang="en-US" dirty="0"/>
+                <a:t>WORLD (ENU)</a:t>
+              </a:r>
+            </a:p>
+          </p:txBody>
+        </p:sp>
+        <p:sp>
+          <p:nvSpPr>
+            <p:cNvPr id="43" name="TextBox 42"/>
+            <p:cNvSpPr txBox="1"/>
+            <p:nvPr/>
+          </p:nvSpPr>
+          <p:spPr>
+            <a:xfrm>
+              <a:off x="4056489" y="2325091"/>
+              <a:ext cx="1007071" cy="369332"/>
+            </a:xfrm>
+            <a:prstGeom prst="rect">
+              <a:avLst/>
+            </a:prstGeom>
+            <a:noFill/>
+          </p:spPr>
+          <p:txBody>
+            <a:bodyPr wrap="none" rtlCol="0">
+              <a:spAutoFit/>
+            </a:bodyPr>
+            <a:lstStyle/>
+            <a:p>
+              <a:r>
+                <a:rPr lang="en-US" dirty="0"/>
+                <a:t>Airframe</a:t>
+              </a:r>
+            </a:p>
+          </p:txBody>
+        </p:sp>
+        <p:sp>
+          <p:nvSpPr>
+            <p:cNvPr id="44" name="TextBox 43"/>
+            <p:cNvSpPr txBox="1"/>
+            <p:nvPr/>
+          </p:nvSpPr>
+          <p:spPr>
+            <a:xfrm>
+              <a:off x="7703917" y="2327924"/>
+              <a:ext cx="904478" cy="369332"/>
+            </a:xfrm>
+            <a:prstGeom prst="rect">
+              <a:avLst/>
+            </a:prstGeom>
+            <a:noFill/>
+          </p:spPr>
+          <p:txBody>
+            <a:bodyPr wrap="none" rtlCol="0">
+              <a:spAutoFit/>
+            </a:bodyPr>
+            <a:lstStyle/>
+            <a:p>
+              <a:r>
+                <a:rPr lang="en-US" dirty="0"/>
                 <a:t>Camera</a:t>
               </a:r>
-              <a:endParaRPr lang="en-US" dirty="0"/>
             </a:p>
           </p:txBody>
         </p:sp>
@@ -3772,7 +3746,7 @@
             <a:lstStyle/>
             <a:p>
               <a:r>
-                <a:rPr lang="en-US" dirty="0" smtClean="0"/>
+                <a:rPr lang="en-US" dirty="0"/>
                 <a:t>Euler ZYX</a:t>
               </a:r>
             </a:p>
@@ -3782,7 +3756,7 @@
                 <a:buChar char="-"/>
               </a:pPr>
               <a:r>
-                <a:rPr lang="en-US" dirty="0" smtClean="0"/>
+                <a:rPr lang="en-US" dirty="0"/>
                 <a:t>yaw</a:t>
               </a:r>
             </a:p>
@@ -3792,7 +3766,7 @@
                 <a:buChar char="-"/>
               </a:pPr>
               <a:r>
-                <a:rPr lang="en-US" dirty="0" smtClean="0"/>
+                <a:rPr lang="en-US" dirty="0"/>
                 <a:t>Pitch</a:t>
               </a:r>
             </a:p>
@@ -3802,15 +3776,14 @@
                 <a:buChar char="-"/>
               </a:pPr>
               <a:r>
-                <a:rPr lang="en-US" dirty="0" smtClean="0"/>
+                <a:rPr lang="en-US" dirty="0"/>
                 <a:t>roll</a:t>
               </a:r>
-              <a:endParaRPr lang="en-US" dirty="0"/>
-            </a:p>
-          </p:txBody>
-        </p:sp>
-        <mc:AlternateContent xmlns:mc="http://schemas.openxmlformats.org/markup-compatibility/2006">
-          <mc:Choice xmlns:a14="http://schemas.microsoft.com/office/drawing/2010/main" Requires="a14">
+            </a:p>
+          </p:txBody>
+        </p:sp>
+        <mc:AlternateContent xmlns:mc="http://schemas.openxmlformats.org/markup-compatibility/2006" xmlns:a14="http://schemas.microsoft.com/office/drawing/2010/main">
+          <mc:Choice Requires="a14">
             <p:sp>
               <p:nvSpPr>
                 <p:cNvPr id="46" name="TextBox 45"/>
@@ -3833,6 +3806,7 @@
                 </a:bodyPr>
                 <a:lstStyle/>
                 <a:p>
+                  <a:pPr/>
                   <a14:m>
                     <m:oMathPara xmlns:m="http://schemas.openxmlformats.org/officeDocument/2006/math">
                       <m:oMathParaPr>
@@ -3958,7 +3932,7 @@
               </p:txBody>
             </p:sp>
           </mc:Choice>
-          <mc:Fallback>
+          <mc:Fallback xmlns="">
             <p:sp>
               <p:nvSpPr>
                 <p:cNvPr id="46" name="TextBox 45"/>
@@ -3997,8 +3971,8 @@
             </p:sp>
           </mc:Fallback>
         </mc:AlternateContent>
-        <mc:AlternateContent xmlns:mc="http://schemas.openxmlformats.org/markup-compatibility/2006">
-          <mc:Choice xmlns:a14="http://schemas.microsoft.com/office/drawing/2010/main" Requires="a14">
+        <mc:AlternateContent xmlns:mc="http://schemas.openxmlformats.org/markup-compatibility/2006" xmlns:a14="http://schemas.microsoft.com/office/drawing/2010/main">
+          <mc:Choice Requires="a14">
             <p:sp>
               <p:nvSpPr>
                 <p:cNvPr id="47" name="TextBox 46"/>
@@ -4021,6 +3995,7 @@
                 </a:bodyPr>
                 <a:lstStyle/>
                 <a:p>
+                  <a:pPr/>
                   <a14:m>
                     <m:oMathPara xmlns:m="http://schemas.openxmlformats.org/officeDocument/2006/math">
                       <m:oMathParaPr>
@@ -4146,7 +4121,7 @@
               </p:txBody>
             </p:sp>
           </mc:Choice>
-          <mc:Fallback>
+          <mc:Fallback xmlns="">
             <p:sp>
               <p:nvSpPr>
                 <p:cNvPr id="47" name="TextBox 46"/>
@@ -4185,8 +4160,8 @@
             </p:sp>
           </mc:Fallback>
         </mc:AlternateContent>
-        <mc:AlternateContent xmlns:mc="http://schemas.openxmlformats.org/markup-compatibility/2006">
-          <mc:Choice xmlns:a14="http://schemas.microsoft.com/office/drawing/2010/main" Requires="a14">
+        <mc:AlternateContent xmlns:mc="http://schemas.openxmlformats.org/markup-compatibility/2006" xmlns:a14="http://schemas.microsoft.com/office/drawing/2010/main">
+          <mc:Choice Requires="a14">
             <p:sp>
               <p:nvSpPr>
                 <p:cNvPr id="48" name="TextBox 47"/>
@@ -4209,6 +4184,7 @@
                 </a:bodyPr>
                 <a:lstStyle/>
                 <a:p>
+                  <a:pPr/>
                   <a14:m>
                     <m:oMathPara xmlns:m="http://schemas.openxmlformats.org/officeDocument/2006/math">
                       <m:oMathParaPr>
@@ -4272,7 +4248,7 @@
               </p:txBody>
             </p:sp>
           </mc:Choice>
-          <mc:Fallback>
+          <mc:Fallback xmlns="">
             <p:sp>
               <p:nvSpPr>
                 <p:cNvPr id="48" name="TextBox 47"/>
@@ -4452,7 +4428,7 @@
           <a:p>
             <a:pPr algn="ctr"/>
             <a:r>
-              <a:rPr lang="en-US" sz="3200" b="1" dirty="0" smtClean="0">
+              <a:rPr lang="en-US" sz="3200" b="1" dirty="0">
                 <a:solidFill>
                   <a:schemeClr val="tx1"/>
                 </a:solidFill>
@@ -4550,10 +4526,9 @@
             <a:lstStyle/>
             <a:p>
               <a:r>
-                <a:rPr lang="en-US" dirty="0" smtClean="0"/>
+                <a:rPr lang="en-US" dirty="0"/>
                 <a:t>f: </a:t>
               </a:r>
-              <a:endParaRPr lang="en-US" dirty="0"/>
             </a:p>
           </p:txBody>
         </p:sp>
@@ -4643,18 +4618,13 @@
             <a:p>
               <a:pPr algn="ctr"/>
               <a:r>
-                <a:rPr lang="en-US" dirty="0" smtClean="0">
+                <a:rPr lang="en-US" dirty="0">
                   <a:solidFill>
                     <a:sysClr val="windowText" lastClr="000000"/>
                   </a:solidFill>
                 </a:rPr>
                 <a:t>4000</a:t>
               </a:r>
-              <a:endParaRPr lang="en-US" dirty="0">
-                <a:solidFill>
-                  <a:sysClr val="windowText" lastClr="000000"/>
-                </a:solidFill>
-              </a:endParaRPr>
             </a:p>
           </p:txBody>
         </p:sp>
@@ -4723,7 +4693,7 @@
             <a:lstStyle/>
             <a:p>
               <a:r>
-                <a:rPr lang="en-US" dirty="0" err="1" smtClean="0"/>
+                <a:rPr lang="en-US" dirty="0" err="1"/>
                 <a:t>px</a:t>
               </a:r>
               <a:endParaRPr lang="en-US" dirty="0"/>
@@ -4811,14 +4781,13 @@
             <a:lstStyle/>
             <a:p>
               <a:r>
-                <a:rPr lang="en-US" dirty="0" err="1" smtClean="0"/>
+                <a:rPr lang="en-US" dirty="0" err="1"/>
                 <a:t>xpix</a:t>
               </a:r>
               <a:r>
-                <a:rPr lang="en-US" dirty="0" smtClean="0"/>
+                <a:rPr lang="en-US" dirty="0"/>
                 <a:t>: </a:t>
               </a:r>
-              <a:endParaRPr lang="en-US" dirty="0"/>
             </a:p>
           </p:txBody>
         </p:sp>
@@ -4908,18 +4877,13 @@
             <a:p>
               <a:pPr algn="ctr"/>
               <a:r>
-                <a:rPr lang="en-US" dirty="0" smtClean="0">
+                <a:rPr lang="en-US" dirty="0">
                   <a:solidFill>
                     <a:sysClr val="windowText" lastClr="000000"/>
                   </a:solidFill>
                 </a:rPr>
                 <a:t>4000</a:t>
               </a:r>
-              <a:endParaRPr lang="en-US" dirty="0">
-                <a:solidFill>
-                  <a:sysClr val="windowText" lastClr="000000"/>
-                </a:solidFill>
-              </a:endParaRPr>
             </a:p>
           </p:txBody>
         </p:sp>
@@ -4988,7 +4952,7 @@
             <a:lstStyle/>
             <a:p>
               <a:r>
-                <a:rPr lang="en-US" dirty="0" err="1" smtClean="0"/>
+                <a:rPr lang="en-US" dirty="0" err="1"/>
                 <a:t>px</a:t>
               </a:r>
               <a:endParaRPr lang="en-US" dirty="0"/>
@@ -5076,14 +5040,13 @@
             <a:lstStyle/>
             <a:p>
               <a:r>
-                <a:rPr lang="en-US" dirty="0" err="1" smtClean="0"/>
+                <a:rPr lang="en-US" dirty="0" err="1"/>
                 <a:t>ypix</a:t>
               </a:r>
               <a:r>
-                <a:rPr lang="en-US" dirty="0" smtClean="0"/>
+                <a:rPr lang="en-US" dirty="0"/>
                 <a:t>: </a:t>
               </a:r>
-              <a:endParaRPr lang="en-US" dirty="0"/>
             </a:p>
           </p:txBody>
         </p:sp>
@@ -5173,18 +5136,13 @@
             <a:p>
               <a:pPr algn="ctr"/>
               <a:r>
-                <a:rPr lang="en-US" dirty="0" smtClean="0">
+                <a:rPr lang="en-US" dirty="0">
                   <a:solidFill>
                     <a:sysClr val="windowText" lastClr="000000"/>
                   </a:solidFill>
                 </a:rPr>
                 <a:t>3000</a:t>
               </a:r>
-              <a:endParaRPr lang="en-US" dirty="0">
-                <a:solidFill>
-                  <a:sysClr val="windowText" lastClr="000000"/>
-                </a:solidFill>
-              </a:endParaRPr>
             </a:p>
           </p:txBody>
         </p:sp>
@@ -5253,7 +5211,7 @@
             <a:lstStyle/>
             <a:p>
               <a:r>
-                <a:rPr lang="en-US" dirty="0" err="1" smtClean="0"/>
+                <a:rPr lang="en-US" dirty="0" err="1"/>
                 <a:t>px</a:t>
               </a:r>
               <a:endParaRPr lang="en-US" dirty="0"/>
@@ -5301,7 +5259,7 @@
           <a:p>
             <a:pPr algn="ctr"/>
             <a:r>
-              <a:rPr lang="en-US" sz="3200" b="1" dirty="0" smtClean="0">
+              <a:rPr lang="en-US" sz="3200" b="1" dirty="0">
                 <a:solidFill>
                   <a:schemeClr val="tx1"/>
                 </a:solidFill>
@@ -5311,7 +5269,7 @@
           </a:p>
           <a:p>
             <a:pPr algn="ctr"/>
-            <a:endParaRPr lang="en-US" sz="3200" b="1" dirty="0" smtClean="0"/>
+            <a:endParaRPr lang="en-US" sz="3200" b="1" dirty="0"/>
           </a:p>
           <a:p>
             <a:pPr algn="ctr"/>
@@ -5319,11 +5277,11 @@
           </a:p>
           <a:p>
             <a:pPr algn="ctr"/>
-            <a:endParaRPr lang="en-US" sz="3200" b="1" dirty="0" smtClean="0"/>
+            <a:endParaRPr lang="en-US" sz="3200" b="1" dirty="0"/>
           </a:p>
           <a:p>
             <a:pPr algn="ctr"/>
-            <a:endParaRPr lang="en-US" sz="3200" b="1" dirty="0" smtClean="0"/>
+            <a:endParaRPr lang="en-US" sz="3200" b="1" dirty="0"/>
           </a:p>
           <a:p>
             <a:pPr algn="ctr"/>
@@ -5415,10 +5373,9 @@
             <a:lstStyle/>
             <a:p>
               <a:r>
-                <a:rPr lang="en-US" dirty="0" smtClean="0"/>
+                <a:rPr lang="en-US" dirty="0"/>
                 <a:t>Roll: </a:t>
               </a:r>
-              <a:endParaRPr lang="en-US" dirty="0"/>
             </a:p>
           </p:txBody>
         </p:sp>
@@ -5508,18 +5465,13 @@
             <a:p>
               <a:pPr algn="ctr"/>
               <a:r>
-                <a:rPr lang="en-US" dirty="0" smtClean="0">
+                <a:rPr lang="en-US" dirty="0">
                   <a:solidFill>
                     <a:sysClr val="windowText" lastClr="000000"/>
                   </a:solidFill>
                 </a:rPr>
                 <a:t>40</a:t>
               </a:r>
-              <a:endParaRPr lang="en-US" dirty="0">
-                <a:solidFill>
-                  <a:sysClr val="windowText" lastClr="000000"/>
-                </a:solidFill>
-              </a:endParaRPr>
             </a:p>
           </p:txBody>
         </p:sp>
@@ -5588,7 +5540,7 @@
             <a:lstStyle/>
             <a:p>
               <a:r>
-                <a:rPr lang="en-US" dirty="0" err="1" smtClean="0"/>
+                <a:rPr lang="en-US" dirty="0" err="1"/>
                 <a:t>deg</a:t>
               </a:r>
               <a:endParaRPr lang="en-US" dirty="0"/>
@@ -5676,10 +5628,9 @@
             <a:lstStyle/>
             <a:p>
               <a:r>
-                <a:rPr lang="en-US" dirty="0" smtClean="0"/>
+                <a:rPr lang="en-US" dirty="0"/>
                 <a:t>Pitch: </a:t>
               </a:r>
-              <a:endParaRPr lang="en-US" dirty="0"/>
             </a:p>
           </p:txBody>
         </p:sp>
@@ -5769,18 +5720,13 @@
             <a:p>
               <a:pPr algn="ctr"/>
               <a:r>
-                <a:rPr lang="en-US" dirty="0" smtClean="0">
+                <a:rPr lang="en-US" dirty="0">
                   <a:solidFill>
                     <a:sysClr val="windowText" lastClr="000000"/>
                   </a:solidFill>
                 </a:rPr>
                 <a:t>20</a:t>
               </a:r>
-              <a:endParaRPr lang="en-US" dirty="0">
-                <a:solidFill>
-                  <a:sysClr val="windowText" lastClr="000000"/>
-                </a:solidFill>
-              </a:endParaRPr>
             </a:p>
           </p:txBody>
         </p:sp>
@@ -5849,7 +5795,7 @@
             <a:lstStyle/>
             <a:p>
               <a:r>
-                <a:rPr lang="en-US" dirty="0" err="1" smtClean="0"/>
+                <a:rPr lang="en-US" dirty="0" err="1"/>
                 <a:t>deg</a:t>
               </a:r>
               <a:endParaRPr lang="en-US" dirty="0"/>
@@ -5937,10 +5883,9 @@
             <a:lstStyle/>
             <a:p>
               <a:r>
-                <a:rPr lang="en-US" dirty="0" smtClean="0"/>
+                <a:rPr lang="en-US" dirty="0"/>
                 <a:t>Yaw: </a:t>
               </a:r>
-              <a:endParaRPr lang="en-US" dirty="0"/>
             </a:p>
           </p:txBody>
         </p:sp>
@@ -6030,18 +5975,13 @@
             <a:p>
               <a:pPr algn="ctr"/>
               <a:r>
-                <a:rPr lang="en-US" dirty="0" smtClean="0">
+                <a:rPr lang="en-US" dirty="0">
                   <a:solidFill>
                     <a:sysClr val="windowText" lastClr="000000"/>
                   </a:solidFill>
                 </a:rPr>
                 <a:t>5</a:t>
               </a:r>
-              <a:endParaRPr lang="en-US" dirty="0">
-                <a:solidFill>
-                  <a:sysClr val="windowText" lastClr="000000"/>
-                </a:solidFill>
-              </a:endParaRPr>
             </a:p>
           </p:txBody>
         </p:sp>
@@ -6110,7 +6050,7 @@
             <a:lstStyle/>
             <a:p>
               <a:r>
-                <a:rPr lang="en-US" dirty="0" err="1" smtClean="0"/>
+                <a:rPr lang="en-US" dirty="0" err="1"/>
                 <a:t>deg</a:t>
               </a:r>
               <a:endParaRPr lang="en-US" dirty="0"/>
@@ -6198,10 +6138,9 @@
             <a:lstStyle/>
             <a:p>
               <a:r>
-                <a:rPr lang="en-US" dirty="0" smtClean="0"/>
+                <a:rPr lang="en-US" dirty="0"/>
                 <a:t>X: </a:t>
               </a:r>
-              <a:endParaRPr lang="en-US" dirty="0"/>
             </a:p>
           </p:txBody>
         </p:sp>
@@ -6245,18 +6184,13 @@
             <a:p>
               <a:pPr algn="ctr"/>
               <a:r>
-                <a:rPr lang="en-US" dirty="0" smtClean="0">
+                <a:rPr lang="en-US" dirty="0">
                   <a:solidFill>
                     <a:sysClr val="windowText" lastClr="000000"/>
                   </a:solidFill>
                 </a:rPr>
                 <a:t>12343</a:t>
               </a:r>
-              <a:endParaRPr lang="en-US" dirty="0">
-                <a:solidFill>
-                  <a:sysClr val="windowText" lastClr="000000"/>
-                </a:solidFill>
-              </a:endParaRPr>
             </a:p>
           </p:txBody>
         </p:sp>
@@ -6282,10 +6216,9 @@
             <a:lstStyle/>
             <a:p>
               <a:r>
-                <a:rPr lang="en-US" dirty="0" smtClean="0"/>
+                <a:rPr lang="en-US" dirty="0"/>
                 <a:t>m</a:t>
               </a:r>
-              <a:endParaRPr lang="en-US" dirty="0"/>
             </a:p>
           </p:txBody>
         </p:sp>
@@ -6370,10 +6303,9 @@
             <a:lstStyle/>
             <a:p>
               <a:r>
-                <a:rPr lang="en-US" dirty="0" smtClean="0"/>
+                <a:rPr lang="en-US" dirty="0"/>
                 <a:t>    Y: </a:t>
               </a:r>
-              <a:endParaRPr lang="en-US" dirty="0"/>
             </a:p>
           </p:txBody>
         </p:sp>
@@ -6417,18 +6349,13 @@
             <a:p>
               <a:pPr algn="ctr"/>
               <a:r>
-                <a:rPr lang="en-US" dirty="0" smtClean="0">
+                <a:rPr lang="en-US" dirty="0">
                   <a:solidFill>
                     <a:sysClr val="windowText" lastClr="000000"/>
                   </a:solidFill>
                 </a:rPr>
                 <a:t>12344</a:t>
               </a:r>
-              <a:endParaRPr lang="en-US" dirty="0">
-                <a:solidFill>
-                  <a:sysClr val="windowText" lastClr="000000"/>
-                </a:solidFill>
-              </a:endParaRPr>
             </a:p>
           </p:txBody>
         </p:sp>
@@ -6454,10 +6381,9 @@
             <a:lstStyle/>
             <a:p>
               <a:r>
-                <a:rPr lang="en-US" dirty="0" smtClean="0"/>
+                <a:rPr lang="en-US" dirty="0"/>
                 <a:t>m</a:t>
               </a:r>
-              <a:endParaRPr lang="en-US" dirty="0"/>
             </a:p>
           </p:txBody>
         </p:sp>
@@ -6542,10 +6468,9 @@
             <a:lstStyle/>
             <a:p>
               <a:r>
-                <a:rPr lang="en-US" dirty="0" smtClean="0"/>
+                <a:rPr lang="en-US" dirty="0"/>
                 <a:t>Zone: </a:t>
               </a:r>
-              <a:endParaRPr lang="en-US" dirty="0"/>
             </a:p>
           </p:txBody>
         </p:sp>
@@ -6589,18 +6514,13 @@
             <a:p>
               <a:pPr algn="ctr"/>
               <a:r>
-                <a:rPr lang="en-US" dirty="0" smtClean="0">
+                <a:rPr lang="en-US" dirty="0">
                   <a:solidFill>
                     <a:sysClr val="windowText" lastClr="000000"/>
                   </a:solidFill>
                 </a:rPr>
                 <a:t>20N</a:t>
               </a:r>
-              <a:endParaRPr lang="en-US" dirty="0">
-                <a:solidFill>
-                  <a:sysClr val="windowText" lastClr="000000"/>
-                </a:solidFill>
-              </a:endParaRPr>
             </a:p>
           </p:txBody>
         </p:sp>
@@ -6685,10 +6605,9 @@
             <a:lstStyle/>
             <a:p>
               <a:r>
-                <a:rPr lang="en-US" dirty="0" smtClean="0"/>
+                <a:rPr lang="en-US" dirty="0"/>
                 <a:t>Lon: </a:t>
               </a:r>
-              <a:endParaRPr lang="en-US" dirty="0"/>
             </a:p>
           </p:txBody>
         </p:sp>
@@ -6778,18 +6697,13 @@
             <a:p>
               <a:pPr algn="ctr"/>
               <a:r>
-                <a:rPr lang="en-US" dirty="0" smtClean="0">
+                <a:rPr lang="en-US" dirty="0">
                   <a:solidFill>
                     <a:sysClr val="windowText" lastClr="000000"/>
                   </a:solidFill>
                 </a:rPr>
                 <a:t>40</a:t>
               </a:r>
-              <a:endParaRPr lang="en-US" dirty="0">
-                <a:solidFill>
-                  <a:sysClr val="windowText" lastClr="000000"/>
-                </a:solidFill>
-              </a:endParaRPr>
             </a:p>
           </p:txBody>
         </p:sp>
@@ -6858,7 +6772,7 @@
             <a:lstStyle/>
             <a:p>
               <a:r>
-                <a:rPr lang="en-US" dirty="0" err="1" smtClean="0"/>
+                <a:rPr lang="en-US" dirty="0" err="1"/>
                 <a:t>deg</a:t>
               </a:r>
               <a:endParaRPr lang="en-US" dirty="0"/>
@@ -6946,14 +6860,13 @@
             <a:lstStyle/>
             <a:p>
               <a:r>
-                <a:rPr lang="en-US" dirty="0" err="1" smtClean="0"/>
+                <a:rPr lang="en-US" dirty="0" err="1"/>
                 <a:t>Lat</a:t>
               </a:r>
               <a:r>
-                <a:rPr lang="en-US" dirty="0" smtClean="0"/>
+                <a:rPr lang="en-US" dirty="0"/>
                 <a:t>: </a:t>
               </a:r>
-              <a:endParaRPr lang="en-US" dirty="0"/>
             </a:p>
           </p:txBody>
         </p:sp>
@@ -7043,18 +6956,13 @@
             <a:p>
               <a:pPr algn="ctr"/>
               <a:r>
-                <a:rPr lang="en-US" dirty="0" smtClean="0">
+                <a:rPr lang="en-US" dirty="0">
                   <a:solidFill>
                     <a:sysClr val="windowText" lastClr="000000"/>
                   </a:solidFill>
                 </a:rPr>
                 <a:t>20</a:t>
               </a:r>
-              <a:endParaRPr lang="en-US" dirty="0">
-                <a:solidFill>
-                  <a:sysClr val="windowText" lastClr="000000"/>
-                </a:solidFill>
-              </a:endParaRPr>
             </a:p>
           </p:txBody>
         </p:sp>
@@ -7123,7 +7031,7 @@
             <a:lstStyle/>
             <a:p>
               <a:r>
-                <a:rPr lang="en-US" dirty="0" err="1" smtClean="0"/>
+                <a:rPr lang="en-US" dirty="0" err="1"/>
                 <a:t>deg</a:t>
               </a:r>
               <a:endParaRPr lang="en-US" dirty="0"/>
@@ -7211,10 +7119,9 @@
             <a:lstStyle/>
             <a:p>
               <a:r>
-                <a:rPr lang="en-US" dirty="0" smtClean="0"/>
+                <a:rPr lang="en-US" dirty="0"/>
                 <a:t>Alt: </a:t>
               </a:r>
-              <a:endParaRPr lang="en-US" dirty="0"/>
             </a:p>
           </p:txBody>
         </p:sp>
@@ -7304,18 +7211,13 @@
             <a:p>
               <a:pPr algn="ctr"/>
               <a:r>
-                <a:rPr lang="en-US" dirty="0" smtClean="0">
+                <a:rPr lang="en-US" dirty="0">
                   <a:solidFill>
                     <a:sysClr val="windowText" lastClr="000000"/>
                   </a:solidFill>
                 </a:rPr>
                 <a:t>5</a:t>
               </a:r>
-              <a:endParaRPr lang="en-US" dirty="0">
-                <a:solidFill>
-                  <a:sysClr val="windowText" lastClr="000000"/>
-                </a:solidFill>
-              </a:endParaRPr>
             </a:p>
           </p:txBody>
         </p:sp>
@@ -7384,10 +7286,9 @@
             <a:lstStyle/>
             <a:p>
               <a:r>
-                <a:rPr lang="en-US" dirty="0" smtClean="0"/>
+                <a:rPr lang="en-US" dirty="0"/>
                 <a:t>m</a:t>
               </a:r>
-              <a:endParaRPr lang="en-US" dirty="0"/>
             </a:p>
           </p:txBody>
         </p:sp>
@@ -7472,10 +7373,9 @@
             <a:lstStyle/>
             <a:p>
               <a:r>
-                <a:rPr lang="en-US" dirty="0" smtClean="0"/>
+                <a:rPr lang="en-US" dirty="0"/>
                 <a:t>X: </a:t>
               </a:r>
-              <a:endParaRPr lang="en-US" dirty="0"/>
             </a:p>
           </p:txBody>
         </p:sp>
@@ -7519,18 +7419,13 @@
             <a:p>
               <a:pPr algn="ctr"/>
               <a:r>
-                <a:rPr lang="en-US" dirty="0" smtClean="0">
+                <a:rPr lang="en-US" dirty="0">
                   <a:solidFill>
                     <a:sysClr val="windowText" lastClr="000000"/>
                   </a:solidFill>
                 </a:rPr>
                 <a:t>12343</a:t>
               </a:r>
-              <a:endParaRPr lang="en-US" dirty="0">
-                <a:solidFill>
-                  <a:sysClr val="windowText" lastClr="000000"/>
-                </a:solidFill>
-              </a:endParaRPr>
             </a:p>
           </p:txBody>
         </p:sp>
@@ -7556,10 +7451,9 @@
             <a:lstStyle/>
             <a:p>
               <a:r>
-                <a:rPr lang="en-US" dirty="0" smtClean="0"/>
+                <a:rPr lang="en-US" dirty="0"/>
                 <a:t>m</a:t>
               </a:r>
-              <a:endParaRPr lang="en-US" dirty="0"/>
             </a:p>
           </p:txBody>
         </p:sp>
@@ -7644,10 +7538,9 @@
             <a:lstStyle/>
             <a:p>
               <a:r>
-                <a:rPr lang="en-US" dirty="0" smtClean="0"/>
+                <a:rPr lang="en-US" dirty="0"/>
                 <a:t>    Y: </a:t>
               </a:r>
-              <a:endParaRPr lang="en-US" dirty="0"/>
             </a:p>
           </p:txBody>
         </p:sp>
@@ -7691,18 +7584,13 @@
             <a:p>
               <a:pPr algn="ctr"/>
               <a:r>
-                <a:rPr lang="en-US" dirty="0" smtClean="0">
+                <a:rPr lang="en-US" dirty="0">
                   <a:solidFill>
                     <a:sysClr val="windowText" lastClr="000000"/>
                   </a:solidFill>
                 </a:rPr>
                 <a:t>12344</a:t>
               </a:r>
-              <a:endParaRPr lang="en-US" dirty="0">
-                <a:solidFill>
-                  <a:sysClr val="windowText" lastClr="000000"/>
-                </a:solidFill>
-              </a:endParaRPr>
             </a:p>
           </p:txBody>
         </p:sp>
@@ -7728,10 +7616,9 @@
             <a:lstStyle/>
             <a:p>
               <a:r>
-                <a:rPr lang="en-US" dirty="0" smtClean="0"/>
+                <a:rPr lang="en-US" dirty="0"/>
                 <a:t>m</a:t>
               </a:r>
-              <a:endParaRPr lang="en-US" dirty="0"/>
             </a:p>
           </p:txBody>
         </p:sp>
@@ -7816,10 +7703,9 @@
             <a:lstStyle/>
             <a:p>
               <a:r>
-                <a:rPr lang="en-US" dirty="0" smtClean="0"/>
+                <a:rPr lang="en-US" dirty="0"/>
                 <a:t>Proj4: </a:t>
               </a:r>
-              <a:endParaRPr lang="en-US" dirty="0"/>
             </a:p>
           </p:txBody>
         </p:sp>
@@ -7863,18 +7749,13 @@
             <a:p>
               <a:pPr algn="ctr"/>
               <a:r>
-                <a:rPr lang="en-US" dirty="0" smtClean="0">
+                <a:rPr lang="en-US" dirty="0">
                   <a:solidFill>
                     <a:sysClr val="windowText" lastClr="000000"/>
                   </a:solidFill>
                 </a:rPr>
                 <a:t>EPSG </a:t>
               </a:r>
-              <a:endParaRPr lang="en-US" dirty="0">
-                <a:solidFill>
-                  <a:sysClr val="windowText" lastClr="000000"/>
-                </a:solidFill>
-              </a:endParaRPr>
             </a:p>
           </p:txBody>
         </p:sp>
@@ -7919,7 +7800,7 @@
           <a:p>
             <a:pPr algn="ctr"/>
             <a:r>
-              <a:rPr lang="en-US" sz="3200" b="1" dirty="0" smtClean="0">
+              <a:rPr lang="en-US" sz="3200" b="1" dirty="0">
                 <a:solidFill>
                   <a:schemeClr val="tx1"/>
                 </a:solidFill>
@@ -7929,7 +7810,7 @@
           </a:p>
           <a:p>
             <a:pPr algn="ctr"/>
-            <a:endParaRPr lang="en-US" sz="3200" b="1" dirty="0" smtClean="0">
+            <a:endParaRPr lang="en-US" sz="3200" b="1" dirty="0">
               <a:solidFill>
                 <a:schemeClr val="tx1"/>
               </a:solidFill>
@@ -8029,10 +7910,9 @@
             <a:lstStyle/>
             <a:p>
               <a:r>
-                <a:rPr lang="en-US" dirty="0" smtClean="0"/>
+                <a:rPr lang="en-US" dirty="0"/>
                 <a:t>Fill Color</a:t>
               </a:r>
-              <a:endParaRPr lang="en-US" dirty="0"/>
             </a:p>
           </p:txBody>
         </p:sp>
@@ -8164,10 +8044,9 @@
             <a:lstStyle/>
             <a:p>
               <a:r>
-                <a:rPr lang="en-US" dirty="0" smtClean="0"/>
+                <a:rPr lang="en-US" dirty="0"/>
                 <a:t>Line Color</a:t>
               </a:r>
-              <a:endParaRPr lang="en-US" dirty="0"/>
             </a:p>
           </p:txBody>
         </p:sp>
@@ -8299,10 +8178,9 @@
             <a:lstStyle/>
             <a:p>
               <a:r>
-                <a:rPr lang="en-US" dirty="0" smtClean="0"/>
+                <a:rPr lang="en-US" dirty="0"/>
                 <a:t>Line Width</a:t>
               </a:r>
-              <a:endParaRPr lang="en-US" dirty="0"/>
             </a:p>
           </p:txBody>
         </p:sp>
@@ -8434,10 +8312,9 @@
             <a:lstStyle/>
             <a:p>
               <a:r>
-                <a:rPr lang="en-US" dirty="0" smtClean="0"/>
+                <a:rPr lang="en-US" dirty="0"/>
                 <a:t>Show Gridlines</a:t>
               </a:r>
-              <a:endParaRPr lang="en-US" dirty="0"/>
             </a:p>
           </p:txBody>
         </p:sp>
@@ -8569,10 +8446,9 @@
             <a:lstStyle/>
             <a:p>
               <a:r>
-                <a:rPr lang="en-US" dirty="0" smtClean="0"/>
+                <a:rPr lang="en-US" dirty="0"/>
                 <a:t>Color by GSD</a:t>
               </a:r>
-              <a:endParaRPr lang="en-US" dirty="0"/>
             </a:p>
           </p:txBody>
         </p:sp>
@@ -8704,10 +8580,9 @@
             <a:lstStyle/>
             <a:p>
               <a:r>
-                <a:rPr lang="en-US" dirty="0" smtClean="0"/>
+                <a:rPr lang="en-US" dirty="0"/>
                 <a:t>Show Line</a:t>
               </a:r>
-              <a:endParaRPr lang="en-US" dirty="0"/>
             </a:p>
           </p:txBody>
         </p:sp>
@@ -8839,10 +8714,9 @@
             <a:lstStyle/>
             <a:p>
               <a:r>
-                <a:rPr lang="en-US" dirty="0" smtClean="0"/>
+                <a:rPr lang="en-US" dirty="0"/>
                 <a:t>Show Fill</a:t>
               </a:r>
-              <a:endParaRPr lang="en-US" dirty="0"/>
             </a:p>
           </p:txBody>
         </p:sp>
@@ -8934,13 +8808,16 @@
           <a:p>
             <a:pPr algn="ctr"/>
             <a:r>
-              <a:rPr lang="en-US" sz="3200" b="1" dirty="0" smtClean="0">
+              <a:rPr lang="en-US" sz="3200" b="1" dirty="0">
                 <a:solidFill>
                   <a:schemeClr val="tx1"/>
                 </a:solidFill>
               </a:rPr>
               <a:t>Appearance</a:t>
             </a:r>
+          </a:p>
+          <a:p>
+            <a:pPr algn="ctr"/>
             <a:endParaRPr lang="en-US" sz="3200" b="1" dirty="0">
               <a:solidFill>
                 <a:schemeClr val="tx1"/>
@@ -8949,7 +8826,7 @@
           </a:p>
           <a:p>
             <a:pPr algn="ctr"/>
-            <a:endParaRPr lang="en-US" sz="3200" b="1" dirty="0" smtClean="0">
+            <a:endParaRPr lang="en-US" sz="3200" b="1" dirty="0">
               <a:solidFill>
                 <a:schemeClr val="tx1"/>
               </a:solidFill>
@@ -8957,15 +8834,7 @@
           </a:p>
           <a:p>
             <a:pPr algn="ctr"/>
-            <a:endParaRPr lang="en-US" sz="3200" b="1" dirty="0" smtClean="0">
-              <a:solidFill>
-                <a:schemeClr val="tx1"/>
-              </a:solidFill>
-            </a:endParaRPr>
-          </a:p>
-          <a:p>
-            <a:pPr algn="ctr"/>
-            <a:endParaRPr lang="en-US" sz="3200" b="1" dirty="0" smtClean="0">
+            <a:endParaRPr lang="en-US" sz="3200" b="1" dirty="0">
               <a:solidFill>
                 <a:schemeClr val="tx1"/>
               </a:solidFill>
@@ -9164,13 +9033,16 @@
           <a:p>
             <a:pPr algn="ctr"/>
             <a:r>
-              <a:rPr lang="en-US" sz="3200" b="1" dirty="0" smtClean="0">
+              <a:rPr lang="en-US" sz="3200" b="1" dirty="0">
                 <a:solidFill>
                   <a:schemeClr val="tx1"/>
                 </a:solidFill>
               </a:rPr>
               <a:t>Appearance</a:t>
             </a:r>
+          </a:p>
+          <a:p>
+            <a:pPr algn="ctr"/>
             <a:endParaRPr lang="en-US" sz="3200" b="1" dirty="0">
               <a:solidFill>
                 <a:schemeClr val="tx1"/>
@@ -9179,7 +9051,7 @@
           </a:p>
           <a:p>
             <a:pPr algn="ctr"/>
-            <a:endParaRPr lang="en-US" sz="3200" b="1" dirty="0" smtClean="0">
+            <a:endParaRPr lang="en-US" sz="3200" b="1" dirty="0">
               <a:solidFill>
                 <a:schemeClr val="tx1"/>
               </a:solidFill>
@@ -9187,15 +9059,7 @@
           </a:p>
           <a:p>
             <a:pPr algn="ctr"/>
-            <a:endParaRPr lang="en-US" sz="3200" b="1" dirty="0" smtClean="0">
-              <a:solidFill>
-                <a:schemeClr val="tx1"/>
-              </a:solidFill>
-            </a:endParaRPr>
-          </a:p>
-          <a:p>
-            <a:pPr algn="ctr"/>
-            <a:endParaRPr lang="en-US" sz="3200" b="1" dirty="0" smtClean="0">
+            <a:endParaRPr lang="en-US" sz="3200" b="1" dirty="0">
               <a:solidFill>
                 <a:schemeClr val="tx1"/>
               </a:solidFill>
@@ -9378,6 +9242,1620 @@
     <p:extLst>
       <p:ext uri="{BB962C8B-B14F-4D97-AF65-F5344CB8AC3E}">
         <p14:creationId xmlns:p14="http://schemas.microsoft.com/office/powerpoint/2010/main" val="3506052356"/>
+      </p:ext>
+    </p:extLst>
+  </p:cSld>
+  <p:clrMapOvr>
+    <a:masterClrMapping/>
+  </p:clrMapOvr>
+</p:sld>
+</file>
+
+<file path=ppt/slides/slide3.xml><?xml version="1.0" encoding="utf-8"?>
+<p:sld xmlns:a="http://schemas.openxmlformats.org/drawingml/2006/main" xmlns:r="http://schemas.openxmlformats.org/officeDocument/2006/relationships" xmlns:p="http://schemas.openxmlformats.org/presentationml/2006/main">
+  <p:cSld>
+    <p:spTree>
+      <p:nvGrpSpPr>
+        <p:cNvPr id="1" name=""/>
+        <p:cNvGrpSpPr/>
+        <p:nvPr/>
+      </p:nvGrpSpPr>
+      <p:grpSpPr>
+        <a:xfrm>
+          <a:off x="0" y="0"/>
+          <a:ext cx="0" cy="0"/>
+          <a:chOff x="0" y="0"/>
+          <a:chExt cx="0" cy="0"/>
+        </a:xfrm>
+      </p:grpSpPr>
+      <p:sp>
+        <p:nvSpPr>
+          <p:cNvPr id="4" name="Rectangle 3">
+            <a:extLst>
+              <a:ext uri="{FF2B5EF4-FFF2-40B4-BE49-F238E27FC236}">
+                <a16:creationId xmlns:a16="http://schemas.microsoft.com/office/drawing/2014/main" id="{6673BBFA-ACDF-4B43-8202-6C4F473A3F47}"/>
+              </a:ext>
+            </a:extLst>
+          </p:cNvPr>
+          <p:cNvSpPr/>
+          <p:nvPr/>
+        </p:nvSpPr>
+        <p:spPr>
+          <a:xfrm>
+            <a:off x="493599" y="462281"/>
+            <a:ext cx="11148901" cy="780530"/>
+          </a:xfrm>
+          <a:prstGeom prst="rect">
+            <a:avLst/>
+          </a:prstGeom>
+          <a:solidFill>
+            <a:schemeClr val="bg2"/>
+          </a:solidFill>
+        </p:spPr>
+        <p:style>
+          <a:lnRef idx="2">
+            <a:schemeClr val="accent1">
+              <a:shade val="50000"/>
+            </a:schemeClr>
+          </a:lnRef>
+          <a:fillRef idx="1">
+            <a:schemeClr val="accent1"/>
+          </a:fillRef>
+          <a:effectRef idx="0">
+            <a:schemeClr val="accent1"/>
+          </a:effectRef>
+          <a:fontRef idx="minor">
+            <a:schemeClr val="lt1"/>
+          </a:fontRef>
+        </p:style>
+        <p:txBody>
+          <a:bodyPr rtlCol="0" anchor="ctr"/>
+          <a:lstStyle/>
+          <a:p>
+            <a:pPr algn="ctr"/>
+            <a:endParaRPr lang="en-US" dirty="0">
+              <a:solidFill>
+                <a:schemeClr val="tx1"/>
+              </a:solidFill>
+            </a:endParaRPr>
+          </a:p>
+        </p:txBody>
+      </p:sp>
+      <p:sp>
+        <p:nvSpPr>
+          <p:cNvPr id="5" name="Rectangle 4">
+            <a:extLst>
+              <a:ext uri="{FF2B5EF4-FFF2-40B4-BE49-F238E27FC236}">
+                <a16:creationId xmlns:a16="http://schemas.microsoft.com/office/drawing/2014/main" id="{7D71274F-C579-4C0F-9659-7869F1CEECBF}"/>
+              </a:ext>
+            </a:extLst>
+          </p:cNvPr>
+          <p:cNvSpPr/>
+          <p:nvPr/>
+        </p:nvSpPr>
+        <p:spPr>
+          <a:xfrm>
+            <a:off x="493599" y="1360031"/>
+            <a:ext cx="1857715" cy="5248237"/>
+          </a:xfrm>
+          <a:prstGeom prst="rect">
+            <a:avLst/>
+          </a:prstGeom>
+          <a:solidFill>
+            <a:schemeClr val="bg2"/>
+          </a:solidFill>
+        </p:spPr>
+        <p:style>
+          <a:lnRef idx="2">
+            <a:schemeClr val="accent1">
+              <a:shade val="50000"/>
+            </a:schemeClr>
+          </a:lnRef>
+          <a:fillRef idx="1">
+            <a:schemeClr val="accent1"/>
+          </a:fillRef>
+          <a:effectRef idx="0">
+            <a:schemeClr val="accent1"/>
+          </a:effectRef>
+          <a:fontRef idx="minor">
+            <a:schemeClr val="lt1"/>
+          </a:fontRef>
+        </p:style>
+        <p:txBody>
+          <a:bodyPr rtlCol="0" anchor="ctr"/>
+          <a:lstStyle/>
+          <a:p>
+            <a:pPr algn="ctr"/>
+            <a:endParaRPr lang="en-US" dirty="0">
+              <a:solidFill>
+                <a:schemeClr val="tx1"/>
+              </a:solidFill>
+            </a:endParaRPr>
+          </a:p>
+        </p:txBody>
+      </p:sp>
+      <p:sp>
+        <p:nvSpPr>
+          <p:cNvPr id="6" name="Rectangle 5">
+            <a:extLst>
+              <a:ext uri="{FF2B5EF4-FFF2-40B4-BE49-F238E27FC236}">
+                <a16:creationId xmlns:a16="http://schemas.microsoft.com/office/drawing/2014/main" id="{DAC82261-9353-405B-8B56-D4592D374EEF}"/>
+              </a:ext>
+            </a:extLst>
+          </p:cNvPr>
+          <p:cNvSpPr/>
+          <p:nvPr/>
+        </p:nvSpPr>
+        <p:spPr>
+          <a:xfrm>
+            <a:off x="2536271" y="1345290"/>
+            <a:ext cx="9106229" cy="5248237"/>
+          </a:xfrm>
+          <a:prstGeom prst="rect">
+            <a:avLst/>
+          </a:prstGeom>
+          <a:solidFill>
+            <a:schemeClr val="bg2"/>
+          </a:solidFill>
+        </p:spPr>
+        <p:style>
+          <a:lnRef idx="2">
+            <a:schemeClr val="accent1">
+              <a:shade val="50000"/>
+            </a:schemeClr>
+          </a:lnRef>
+          <a:fillRef idx="1">
+            <a:schemeClr val="accent1"/>
+          </a:fillRef>
+          <a:effectRef idx="0">
+            <a:schemeClr val="accent1"/>
+          </a:effectRef>
+          <a:fontRef idx="minor">
+            <a:schemeClr val="lt1"/>
+          </a:fontRef>
+        </p:style>
+        <p:txBody>
+          <a:bodyPr rtlCol="0" anchor="ctr"/>
+          <a:lstStyle/>
+          <a:p>
+            <a:pPr algn="ctr"/>
+            <a:endParaRPr lang="en-US" dirty="0">
+              <a:solidFill>
+                <a:schemeClr val="tx1"/>
+              </a:solidFill>
+            </a:endParaRPr>
+          </a:p>
+          <a:p>
+            <a:pPr algn="ctr"/>
+            <a:endParaRPr lang="en-US" dirty="0">
+              <a:solidFill>
+                <a:schemeClr val="tx1"/>
+              </a:solidFill>
+            </a:endParaRPr>
+          </a:p>
+          <a:p>
+            <a:pPr algn="ctr"/>
+            <a:endParaRPr lang="en-US" dirty="0">
+              <a:solidFill>
+                <a:schemeClr val="tx1"/>
+              </a:solidFill>
+            </a:endParaRPr>
+          </a:p>
+          <a:p>
+            <a:pPr algn="ctr"/>
+            <a:endParaRPr lang="en-US" dirty="0">
+              <a:solidFill>
+                <a:schemeClr val="tx1"/>
+              </a:solidFill>
+            </a:endParaRPr>
+          </a:p>
+          <a:p>
+            <a:pPr algn="ctr"/>
+            <a:endParaRPr lang="en-US" dirty="0">
+              <a:solidFill>
+                <a:schemeClr val="tx1"/>
+              </a:solidFill>
+            </a:endParaRPr>
+          </a:p>
+          <a:p>
+            <a:pPr algn="ctr"/>
+            <a:endParaRPr lang="en-US" dirty="0">
+              <a:solidFill>
+                <a:schemeClr val="tx1"/>
+              </a:solidFill>
+            </a:endParaRPr>
+          </a:p>
+          <a:p>
+            <a:pPr algn="ctr"/>
+            <a:endParaRPr lang="en-US" dirty="0">
+              <a:solidFill>
+                <a:schemeClr val="tx1"/>
+              </a:solidFill>
+            </a:endParaRPr>
+          </a:p>
+          <a:p>
+            <a:pPr algn="ctr"/>
+            <a:r>
+              <a:rPr lang="en-US" dirty="0">
+                <a:solidFill>
+                  <a:schemeClr val="tx1"/>
+                </a:solidFill>
+              </a:rPr>
+              <a:t>MAP</a:t>
+            </a:r>
+          </a:p>
+          <a:p>
+            <a:pPr algn="ctr"/>
+            <a:r>
+              <a:rPr lang="en-US" dirty="0">
+                <a:solidFill>
+                  <a:schemeClr val="tx1"/>
+                </a:solidFill>
+              </a:rPr>
+              <a:t>drag either marker</a:t>
+            </a:r>
+          </a:p>
+        </p:txBody>
+      </p:sp>
+      <p:sp>
+        <p:nvSpPr>
+          <p:cNvPr id="7" name="Rectangle 6">
+            <a:extLst>
+              <a:ext uri="{FF2B5EF4-FFF2-40B4-BE49-F238E27FC236}">
+                <a16:creationId xmlns:a16="http://schemas.microsoft.com/office/drawing/2014/main" id="{F8A34BA3-E5B9-4312-80D9-6315E29A0D47}"/>
+              </a:ext>
+            </a:extLst>
+          </p:cNvPr>
+          <p:cNvSpPr/>
+          <p:nvPr/>
+        </p:nvSpPr>
+        <p:spPr>
+          <a:xfrm>
+            <a:off x="9678690" y="1471913"/>
+            <a:ext cx="1862546" cy="3083765"/>
+          </a:xfrm>
+          <a:prstGeom prst="rect">
+            <a:avLst/>
+          </a:prstGeom>
+          <a:solidFill>
+            <a:schemeClr val="bg2"/>
+          </a:solidFill>
+        </p:spPr>
+        <p:style>
+          <a:lnRef idx="2">
+            <a:schemeClr val="accent1">
+              <a:shade val="50000"/>
+            </a:schemeClr>
+          </a:lnRef>
+          <a:fillRef idx="1">
+            <a:schemeClr val="accent1"/>
+          </a:fillRef>
+          <a:effectRef idx="0">
+            <a:schemeClr val="accent1"/>
+          </a:effectRef>
+          <a:fontRef idx="minor">
+            <a:schemeClr val="lt1"/>
+          </a:fontRef>
+        </p:style>
+        <p:txBody>
+          <a:bodyPr rtlCol="0" anchor="ctr"/>
+          <a:lstStyle/>
+          <a:p>
+            <a:pPr marL="285750" indent="-285750">
+              <a:buFontTx/>
+              <a:buChar char="-"/>
+            </a:pPr>
+            <a:r>
+              <a:rPr lang="en-US" dirty="0">
+                <a:solidFill>
+                  <a:schemeClr val="tx1"/>
+                </a:solidFill>
+              </a:rPr>
+              <a:t>Aerial</a:t>
+            </a:r>
+          </a:p>
+          <a:p>
+            <a:pPr marL="285750" indent="-285750">
+              <a:buFontTx/>
+              <a:buChar char="-"/>
+            </a:pPr>
+            <a:r>
+              <a:rPr lang="en-US" dirty="0">
+                <a:solidFill>
+                  <a:schemeClr val="tx1"/>
+                </a:solidFill>
+              </a:rPr>
+              <a:t>Streets</a:t>
+            </a:r>
+          </a:p>
+          <a:p>
+            <a:pPr marL="285750" indent="-285750">
+              <a:buFontTx/>
+              <a:buChar char="-"/>
+            </a:pPr>
+            <a:endParaRPr lang="en-US" dirty="0">
+              <a:solidFill>
+                <a:schemeClr val="tx1"/>
+              </a:solidFill>
+            </a:endParaRPr>
+          </a:p>
+          <a:p>
+            <a:pPr marL="285750" indent="-285750">
+              <a:buFontTx/>
+              <a:buChar char="-"/>
+            </a:pPr>
+            <a:r>
+              <a:rPr lang="en-US" dirty="0">
+                <a:solidFill>
+                  <a:schemeClr val="tx1"/>
+                </a:solidFill>
+              </a:rPr>
+              <a:t>None</a:t>
+            </a:r>
+          </a:p>
+          <a:p>
+            <a:pPr marL="285750" indent="-285750">
+              <a:buFontTx/>
+              <a:buChar char="-"/>
+            </a:pPr>
+            <a:r>
+              <a:rPr lang="en-US" dirty="0">
+                <a:solidFill>
+                  <a:schemeClr val="tx1"/>
+                </a:solidFill>
+              </a:rPr>
+              <a:t>GSD Max</a:t>
+            </a:r>
+          </a:p>
+          <a:p>
+            <a:pPr marL="285750" indent="-285750">
+              <a:buFontTx/>
+              <a:buChar char="-"/>
+            </a:pPr>
+            <a:r>
+              <a:rPr lang="en-US" dirty="0">
+                <a:solidFill>
+                  <a:schemeClr val="tx1"/>
+                </a:solidFill>
+              </a:rPr>
+              <a:t>GSD Max/Min</a:t>
+            </a:r>
+          </a:p>
+          <a:p>
+            <a:pPr marL="285750" indent="-285750">
+              <a:buFontTx/>
+              <a:buChar char="-"/>
+            </a:pPr>
+            <a:r>
+              <a:rPr lang="en-US" dirty="0">
+                <a:solidFill>
+                  <a:schemeClr val="tx1"/>
+                </a:solidFill>
+              </a:rPr>
+              <a:t>GSD </a:t>
+            </a:r>
+            <a:r>
+              <a:rPr lang="en-US" dirty="0" err="1">
+                <a:solidFill>
+                  <a:schemeClr val="tx1"/>
+                </a:solidFill>
+              </a:rPr>
+              <a:t>Xs</a:t>
+            </a:r>
+            <a:endParaRPr lang="en-US" dirty="0">
+              <a:solidFill>
+                <a:schemeClr val="tx1"/>
+              </a:solidFill>
+            </a:endParaRPr>
+          </a:p>
+          <a:p>
+            <a:pPr marL="285750" indent="-285750">
+              <a:buFontTx/>
+              <a:buChar char="-"/>
+            </a:pPr>
+            <a:r>
+              <a:rPr lang="en-US" dirty="0">
+                <a:solidFill>
+                  <a:schemeClr val="tx1"/>
+                </a:solidFill>
+              </a:rPr>
+              <a:t>GSD As</a:t>
+            </a:r>
+          </a:p>
+          <a:p>
+            <a:pPr marL="285750" indent="-285750">
+              <a:buFontTx/>
+              <a:buChar char="-"/>
+            </a:pPr>
+            <a:r>
+              <a:rPr lang="en-US" dirty="0">
+                <a:solidFill>
+                  <a:schemeClr val="tx1"/>
+                </a:solidFill>
+              </a:rPr>
+              <a:t>GSD U</a:t>
+            </a:r>
+          </a:p>
+          <a:p>
+            <a:pPr marL="285750" indent="-285750">
+              <a:buFontTx/>
+              <a:buChar char="-"/>
+            </a:pPr>
+            <a:r>
+              <a:rPr lang="en-US" dirty="0">
+                <a:solidFill>
+                  <a:schemeClr val="tx1"/>
+                </a:solidFill>
+              </a:rPr>
+              <a:t>GSD V</a:t>
+            </a:r>
+          </a:p>
+          <a:p>
+            <a:pPr marL="285750" indent="-285750">
+              <a:buFontTx/>
+              <a:buChar char="-"/>
+            </a:pPr>
+            <a:endParaRPr lang="en-US" dirty="0">
+              <a:solidFill>
+                <a:schemeClr val="tx1"/>
+              </a:solidFill>
+            </a:endParaRPr>
+          </a:p>
+        </p:txBody>
+      </p:sp>
+      <p:sp>
+        <p:nvSpPr>
+          <p:cNvPr id="8" name="Rectangle 7">
+            <a:extLst>
+              <a:ext uri="{FF2B5EF4-FFF2-40B4-BE49-F238E27FC236}">
+                <a16:creationId xmlns:a16="http://schemas.microsoft.com/office/drawing/2014/main" id="{FF9BCB65-6A49-4246-8B5D-1EE206D16F52}"/>
+              </a:ext>
+            </a:extLst>
+          </p:cNvPr>
+          <p:cNvSpPr/>
+          <p:nvPr/>
+        </p:nvSpPr>
+        <p:spPr>
+          <a:xfrm>
+            <a:off x="7783926" y="6316276"/>
+            <a:ext cx="3858574" cy="291992"/>
+          </a:xfrm>
+          <a:prstGeom prst="rect">
+            <a:avLst/>
+          </a:prstGeom>
+          <a:solidFill>
+            <a:schemeClr val="bg2"/>
+          </a:solidFill>
+        </p:spPr>
+        <p:style>
+          <a:lnRef idx="2">
+            <a:schemeClr val="accent1">
+              <a:shade val="50000"/>
+            </a:schemeClr>
+          </a:lnRef>
+          <a:fillRef idx="1">
+            <a:schemeClr val="accent1"/>
+          </a:fillRef>
+          <a:effectRef idx="0">
+            <a:schemeClr val="accent1"/>
+          </a:effectRef>
+          <a:fontRef idx="minor">
+            <a:schemeClr val="lt1"/>
+          </a:fontRef>
+        </p:style>
+        <p:txBody>
+          <a:bodyPr rtlCol="0" anchor="ctr"/>
+          <a:lstStyle/>
+          <a:p>
+            <a:pPr algn="ctr"/>
+            <a:r>
+              <a:rPr lang="en-US" dirty="0">
+                <a:solidFill>
+                  <a:schemeClr val="tx1"/>
+                </a:solidFill>
+              </a:rPr>
+              <a:t>Attribution</a:t>
+            </a:r>
+          </a:p>
+        </p:txBody>
+      </p:sp>
+      <p:sp>
+        <p:nvSpPr>
+          <p:cNvPr id="9" name="Rectangle 8">
+            <a:extLst>
+              <a:ext uri="{FF2B5EF4-FFF2-40B4-BE49-F238E27FC236}">
+                <a16:creationId xmlns:a16="http://schemas.microsoft.com/office/drawing/2014/main" id="{D062883F-B0E8-4A18-8E18-751D5AE129A8}"/>
+              </a:ext>
+            </a:extLst>
+          </p:cNvPr>
+          <p:cNvSpPr/>
+          <p:nvPr/>
+        </p:nvSpPr>
+        <p:spPr>
+          <a:xfrm>
+            <a:off x="549500" y="519292"/>
+            <a:ext cx="818258" cy="666508"/>
+          </a:xfrm>
+          <a:prstGeom prst="rect">
+            <a:avLst/>
+          </a:prstGeom>
+          <a:solidFill>
+            <a:schemeClr val="bg2"/>
+          </a:solidFill>
+        </p:spPr>
+        <p:style>
+          <a:lnRef idx="2">
+            <a:schemeClr val="accent1">
+              <a:shade val="50000"/>
+            </a:schemeClr>
+          </a:lnRef>
+          <a:fillRef idx="1">
+            <a:schemeClr val="accent1"/>
+          </a:fillRef>
+          <a:effectRef idx="0">
+            <a:schemeClr val="accent1"/>
+          </a:effectRef>
+          <a:fontRef idx="minor">
+            <a:schemeClr val="lt1"/>
+          </a:fontRef>
+        </p:style>
+        <p:txBody>
+          <a:bodyPr rtlCol="0" anchor="ctr"/>
+          <a:lstStyle/>
+          <a:p>
+            <a:pPr algn="ctr"/>
+            <a:r>
+              <a:rPr lang="en-US" dirty="0">
+                <a:solidFill>
+                  <a:schemeClr val="tx1"/>
+                </a:solidFill>
+              </a:rPr>
+              <a:t>logo</a:t>
+            </a:r>
+          </a:p>
+        </p:txBody>
+      </p:sp>
+      <p:sp>
+        <p:nvSpPr>
+          <p:cNvPr id="10" name="Rectangle 9">
+            <a:extLst>
+              <a:ext uri="{FF2B5EF4-FFF2-40B4-BE49-F238E27FC236}">
+                <a16:creationId xmlns:a16="http://schemas.microsoft.com/office/drawing/2014/main" id="{E078D8FB-FC6D-475D-99E0-90CF862D0809}"/>
+              </a:ext>
+            </a:extLst>
+          </p:cNvPr>
+          <p:cNvSpPr/>
+          <p:nvPr/>
+        </p:nvSpPr>
+        <p:spPr>
+          <a:xfrm>
+            <a:off x="547247" y="1655347"/>
+            <a:ext cx="1439755" cy="297718"/>
+          </a:xfrm>
+          <a:prstGeom prst="rect">
+            <a:avLst/>
+          </a:prstGeom>
+          <a:solidFill>
+            <a:schemeClr val="bg2"/>
+          </a:solidFill>
+        </p:spPr>
+        <p:style>
+          <a:lnRef idx="2">
+            <a:schemeClr val="accent1">
+              <a:shade val="50000"/>
+            </a:schemeClr>
+          </a:lnRef>
+          <a:fillRef idx="1">
+            <a:schemeClr val="accent1"/>
+          </a:fillRef>
+          <a:effectRef idx="0">
+            <a:schemeClr val="accent1"/>
+          </a:effectRef>
+          <a:fontRef idx="minor">
+            <a:schemeClr val="lt1"/>
+          </a:fontRef>
+        </p:style>
+        <p:txBody>
+          <a:bodyPr rtlCol="0" anchor="ctr"/>
+          <a:lstStyle/>
+          <a:p>
+            <a:pPr algn="ctr"/>
+            <a:r>
+              <a:rPr lang="en-US" dirty="0">
+                <a:solidFill>
+                  <a:schemeClr val="tx1"/>
+                </a:solidFill>
+              </a:rPr>
+              <a:t>IO</a:t>
+            </a:r>
+          </a:p>
+        </p:txBody>
+      </p:sp>
+      <p:sp>
+        <p:nvSpPr>
+          <p:cNvPr id="11" name="Rectangle 10">
+            <a:extLst>
+              <a:ext uri="{FF2B5EF4-FFF2-40B4-BE49-F238E27FC236}">
+                <a16:creationId xmlns:a16="http://schemas.microsoft.com/office/drawing/2014/main" id="{D1ED5F17-30F2-472F-877A-509CB7BB8DAF}"/>
+              </a:ext>
+            </a:extLst>
+          </p:cNvPr>
+          <p:cNvSpPr/>
+          <p:nvPr/>
+        </p:nvSpPr>
+        <p:spPr>
+          <a:xfrm>
+            <a:off x="2067004" y="1360031"/>
+            <a:ext cx="284310" cy="297718"/>
+          </a:xfrm>
+          <a:prstGeom prst="rect">
+            <a:avLst/>
+          </a:prstGeom>
+          <a:solidFill>
+            <a:schemeClr val="bg2"/>
+          </a:solidFill>
+        </p:spPr>
+        <p:style>
+          <a:lnRef idx="2">
+            <a:schemeClr val="accent1">
+              <a:shade val="50000"/>
+            </a:schemeClr>
+          </a:lnRef>
+          <a:fillRef idx="1">
+            <a:schemeClr val="accent1"/>
+          </a:fillRef>
+          <a:effectRef idx="0">
+            <a:schemeClr val="accent1"/>
+          </a:effectRef>
+          <a:fontRef idx="minor">
+            <a:schemeClr val="lt1"/>
+          </a:fontRef>
+        </p:style>
+        <p:txBody>
+          <a:bodyPr rtlCol="0" anchor="ctr"/>
+          <a:lstStyle/>
+          <a:p>
+            <a:pPr algn="ctr"/>
+            <a:r>
+              <a:rPr lang="en-US" dirty="0">
+                <a:solidFill>
+                  <a:schemeClr val="tx1"/>
+                </a:solidFill>
+              </a:rPr>
+              <a:t>&lt;</a:t>
+            </a:r>
+          </a:p>
+        </p:txBody>
+      </p:sp>
+      <p:sp>
+        <p:nvSpPr>
+          <p:cNvPr id="12" name="Rectangle 11">
+            <a:extLst>
+              <a:ext uri="{FF2B5EF4-FFF2-40B4-BE49-F238E27FC236}">
+                <a16:creationId xmlns:a16="http://schemas.microsoft.com/office/drawing/2014/main" id="{F7DAF942-CBBA-4416-A563-2C07878F3B9E}"/>
+              </a:ext>
+            </a:extLst>
+          </p:cNvPr>
+          <p:cNvSpPr/>
+          <p:nvPr/>
+        </p:nvSpPr>
+        <p:spPr>
+          <a:xfrm>
+            <a:off x="549500" y="2513358"/>
+            <a:ext cx="1439755" cy="297718"/>
+          </a:xfrm>
+          <a:prstGeom prst="rect">
+            <a:avLst/>
+          </a:prstGeom>
+          <a:solidFill>
+            <a:schemeClr val="bg2"/>
+          </a:solidFill>
+        </p:spPr>
+        <p:style>
+          <a:lnRef idx="2">
+            <a:schemeClr val="accent1">
+              <a:shade val="50000"/>
+            </a:schemeClr>
+          </a:lnRef>
+          <a:fillRef idx="1">
+            <a:schemeClr val="accent1"/>
+          </a:fillRef>
+          <a:effectRef idx="0">
+            <a:schemeClr val="accent1"/>
+          </a:effectRef>
+          <a:fontRef idx="minor">
+            <a:schemeClr val="lt1"/>
+          </a:fontRef>
+        </p:style>
+        <p:txBody>
+          <a:bodyPr rtlCol="0" anchor="ctr"/>
+          <a:lstStyle/>
+          <a:p>
+            <a:pPr algn="ctr"/>
+            <a:r>
+              <a:rPr lang="en-US" dirty="0">
+                <a:solidFill>
+                  <a:schemeClr val="tx1"/>
+                </a:solidFill>
+              </a:rPr>
+              <a:t>EO</a:t>
+            </a:r>
+          </a:p>
+        </p:txBody>
+      </p:sp>
+      <p:sp>
+        <p:nvSpPr>
+          <p:cNvPr id="14" name="Rectangle 13">
+            <a:extLst>
+              <a:ext uri="{FF2B5EF4-FFF2-40B4-BE49-F238E27FC236}">
+                <a16:creationId xmlns:a16="http://schemas.microsoft.com/office/drawing/2014/main" id="{AC81F02D-4F19-4C47-AE92-426A010733B1}"/>
+              </a:ext>
+            </a:extLst>
+          </p:cNvPr>
+          <p:cNvSpPr/>
+          <p:nvPr/>
+        </p:nvSpPr>
+        <p:spPr>
+          <a:xfrm>
+            <a:off x="549500" y="3608075"/>
+            <a:ext cx="1439755" cy="297718"/>
+          </a:xfrm>
+          <a:prstGeom prst="rect">
+            <a:avLst/>
+          </a:prstGeom>
+          <a:solidFill>
+            <a:schemeClr val="bg2"/>
+          </a:solidFill>
+        </p:spPr>
+        <p:style>
+          <a:lnRef idx="2">
+            <a:schemeClr val="accent1">
+              <a:shade val="50000"/>
+            </a:schemeClr>
+          </a:lnRef>
+          <a:fillRef idx="1">
+            <a:schemeClr val="accent1"/>
+          </a:fillRef>
+          <a:effectRef idx="0">
+            <a:schemeClr val="accent1"/>
+          </a:effectRef>
+          <a:fontRef idx="minor">
+            <a:schemeClr val="lt1"/>
+          </a:fontRef>
+        </p:style>
+        <p:txBody>
+          <a:bodyPr rtlCol="0" anchor="ctr"/>
+          <a:lstStyle/>
+          <a:p>
+            <a:pPr algn="ctr"/>
+            <a:r>
+              <a:rPr lang="en-US" dirty="0">
+                <a:solidFill>
+                  <a:schemeClr val="tx1"/>
+                </a:solidFill>
+              </a:rPr>
+              <a:t>Projection</a:t>
+            </a:r>
+          </a:p>
+        </p:txBody>
+      </p:sp>
+      <p:sp>
+        <p:nvSpPr>
+          <p:cNvPr id="16" name="Rectangle 15">
+            <a:extLst>
+              <a:ext uri="{FF2B5EF4-FFF2-40B4-BE49-F238E27FC236}">
+                <a16:creationId xmlns:a16="http://schemas.microsoft.com/office/drawing/2014/main" id="{650B7594-2176-48E4-8919-0A8434645CC0}"/>
+              </a:ext>
+            </a:extLst>
+          </p:cNvPr>
+          <p:cNvSpPr/>
+          <p:nvPr/>
+        </p:nvSpPr>
+        <p:spPr>
+          <a:xfrm>
+            <a:off x="1424568" y="518072"/>
+            <a:ext cx="1234107" cy="666508"/>
+          </a:xfrm>
+          <a:prstGeom prst="rect">
+            <a:avLst/>
+          </a:prstGeom>
+          <a:solidFill>
+            <a:schemeClr val="bg2"/>
+          </a:solidFill>
+        </p:spPr>
+        <p:style>
+          <a:lnRef idx="2">
+            <a:schemeClr val="accent1">
+              <a:shade val="50000"/>
+            </a:schemeClr>
+          </a:lnRef>
+          <a:fillRef idx="1">
+            <a:schemeClr val="accent1"/>
+          </a:fillRef>
+          <a:effectRef idx="0">
+            <a:schemeClr val="accent1"/>
+          </a:effectRef>
+          <a:fontRef idx="minor">
+            <a:schemeClr val="lt1"/>
+          </a:fontRef>
+        </p:style>
+        <p:txBody>
+          <a:bodyPr rtlCol="0" anchor="ctr"/>
+          <a:lstStyle/>
+          <a:p>
+            <a:pPr algn="ctr"/>
+            <a:r>
+              <a:rPr lang="en-US" dirty="0">
+                <a:solidFill>
+                  <a:schemeClr val="tx1"/>
+                </a:solidFill>
+              </a:rPr>
+              <a:t>Settings</a:t>
+            </a:r>
+          </a:p>
+        </p:txBody>
+      </p:sp>
+      <p:sp>
+        <p:nvSpPr>
+          <p:cNvPr id="17" name="Rectangle 16">
+            <a:extLst>
+              <a:ext uri="{FF2B5EF4-FFF2-40B4-BE49-F238E27FC236}">
+                <a16:creationId xmlns:a16="http://schemas.microsoft.com/office/drawing/2014/main" id="{8BE50F5C-ED65-488A-9C51-5AC900F6D746}"/>
+              </a:ext>
+            </a:extLst>
+          </p:cNvPr>
+          <p:cNvSpPr/>
+          <p:nvPr/>
+        </p:nvSpPr>
+        <p:spPr>
+          <a:xfrm>
+            <a:off x="2715485" y="518072"/>
+            <a:ext cx="1234107" cy="666508"/>
+          </a:xfrm>
+          <a:prstGeom prst="rect">
+            <a:avLst/>
+          </a:prstGeom>
+          <a:solidFill>
+            <a:schemeClr val="bg2"/>
+          </a:solidFill>
+        </p:spPr>
+        <p:style>
+          <a:lnRef idx="2">
+            <a:schemeClr val="accent1">
+              <a:shade val="50000"/>
+            </a:schemeClr>
+          </a:lnRef>
+          <a:fillRef idx="1">
+            <a:schemeClr val="accent1"/>
+          </a:fillRef>
+          <a:effectRef idx="0">
+            <a:schemeClr val="accent1"/>
+          </a:effectRef>
+          <a:fontRef idx="minor">
+            <a:schemeClr val="lt1"/>
+          </a:fontRef>
+        </p:style>
+        <p:txBody>
+          <a:bodyPr rtlCol="0" anchor="ctr"/>
+          <a:lstStyle/>
+          <a:p>
+            <a:pPr algn="ctr"/>
+            <a:r>
+              <a:rPr lang="en-US" dirty="0">
+                <a:solidFill>
+                  <a:schemeClr val="tx1"/>
+                </a:solidFill>
+              </a:rPr>
+              <a:t>Tools</a:t>
+            </a:r>
+          </a:p>
+        </p:txBody>
+      </p:sp>
+      <p:sp>
+        <p:nvSpPr>
+          <p:cNvPr id="18" name="Rectangle 17">
+            <a:extLst>
+              <a:ext uri="{FF2B5EF4-FFF2-40B4-BE49-F238E27FC236}">
+                <a16:creationId xmlns:a16="http://schemas.microsoft.com/office/drawing/2014/main" id="{5781336A-756E-47EC-A183-5A56606B396A}"/>
+              </a:ext>
+            </a:extLst>
+          </p:cNvPr>
+          <p:cNvSpPr/>
+          <p:nvPr/>
+        </p:nvSpPr>
+        <p:spPr>
+          <a:xfrm>
+            <a:off x="558093" y="4730107"/>
+            <a:ext cx="1439755" cy="297718"/>
+          </a:xfrm>
+          <a:prstGeom prst="rect">
+            <a:avLst/>
+          </a:prstGeom>
+          <a:solidFill>
+            <a:schemeClr val="bg2"/>
+          </a:solidFill>
+        </p:spPr>
+        <p:style>
+          <a:lnRef idx="2">
+            <a:schemeClr val="accent1">
+              <a:shade val="50000"/>
+            </a:schemeClr>
+          </a:lnRef>
+          <a:fillRef idx="1">
+            <a:schemeClr val="accent1"/>
+          </a:fillRef>
+          <a:effectRef idx="0">
+            <a:schemeClr val="accent1"/>
+          </a:effectRef>
+          <a:fontRef idx="minor">
+            <a:schemeClr val="lt1"/>
+          </a:fontRef>
+        </p:style>
+        <p:txBody>
+          <a:bodyPr rtlCol="0" anchor="ctr"/>
+          <a:lstStyle/>
+          <a:p>
+            <a:pPr algn="ctr"/>
+            <a:r>
+              <a:rPr lang="en-US" dirty="0">
+                <a:solidFill>
+                  <a:schemeClr val="tx1"/>
+                </a:solidFill>
+              </a:rPr>
+              <a:t>Appearance</a:t>
+            </a:r>
+          </a:p>
+        </p:txBody>
+      </p:sp>
+      <p:sp>
+        <p:nvSpPr>
+          <p:cNvPr id="19" name="Rectangle 18">
+            <a:extLst>
+              <a:ext uri="{FF2B5EF4-FFF2-40B4-BE49-F238E27FC236}">
+                <a16:creationId xmlns:a16="http://schemas.microsoft.com/office/drawing/2014/main" id="{9C3745EB-F6B5-43F0-9466-116E71577009}"/>
+              </a:ext>
+            </a:extLst>
+          </p:cNvPr>
+          <p:cNvSpPr/>
+          <p:nvPr/>
+        </p:nvSpPr>
+        <p:spPr>
+          <a:xfrm>
+            <a:off x="2658674" y="4674755"/>
+            <a:ext cx="1842491" cy="1787517"/>
+          </a:xfrm>
+          <a:prstGeom prst="rect">
+            <a:avLst/>
+          </a:prstGeom>
+          <a:solidFill>
+            <a:schemeClr val="bg2"/>
+          </a:solidFill>
+        </p:spPr>
+        <p:style>
+          <a:lnRef idx="2">
+            <a:schemeClr val="accent1">
+              <a:shade val="50000"/>
+            </a:schemeClr>
+          </a:lnRef>
+          <a:fillRef idx="1">
+            <a:schemeClr val="accent1"/>
+          </a:fillRef>
+          <a:effectRef idx="0">
+            <a:schemeClr val="accent1"/>
+          </a:effectRef>
+          <a:fontRef idx="minor">
+            <a:schemeClr val="lt1"/>
+          </a:fontRef>
+        </p:style>
+        <p:txBody>
+          <a:bodyPr rtlCol="0" anchor="ctr"/>
+          <a:lstStyle/>
+          <a:p>
+            <a:pPr algn="ctr"/>
+            <a:r>
+              <a:rPr lang="en-US" dirty="0">
+                <a:solidFill>
+                  <a:schemeClr val="tx1"/>
+                </a:solidFill>
+              </a:rPr>
+              <a:t>Inspect Pixel</a:t>
+            </a:r>
+          </a:p>
+          <a:p>
+            <a:pPr algn="ctr"/>
+            <a:r>
+              <a:rPr lang="en-US" dirty="0">
+                <a:solidFill>
+                  <a:schemeClr val="tx1"/>
+                </a:solidFill>
+              </a:rPr>
+              <a:t>(D3)</a:t>
+            </a:r>
+          </a:p>
+        </p:txBody>
+      </p:sp>
+      <p:sp>
+        <p:nvSpPr>
+          <p:cNvPr id="20" name="Rectangle 19">
+            <a:extLst>
+              <a:ext uri="{FF2B5EF4-FFF2-40B4-BE49-F238E27FC236}">
+                <a16:creationId xmlns:a16="http://schemas.microsoft.com/office/drawing/2014/main" id="{39ECD694-87CE-4DCF-A52E-D8973CC5A93E}"/>
+              </a:ext>
+            </a:extLst>
+          </p:cNvPr>
+          <p:cNvSpPr/>
+          <p:nvPr/>
+        </p:nvSpPr>
+        <p:spPr>
+          <a:xfrm>
+            <a:off x="10135240" y="4674755"/>
+            <a:ext cx="1405996" cy="1582911"/>
+          </a:xfrm>
+          <a:prstGeom prst="rect">
+            <a:avLst/>
+          </a:prstGeom>
+          <a:solidFill>
+            <a:schemeClr val="bg2"/>
+          </a:solidFill>
+        </p:spPr>
+        <p:style>
+          <a:lnRef idx="2">
+            <a:schemeClr val="accent1">
+              <a:shade val="50000"/>
+            </a:schemeClr>
+          </a:lnRef>
+          <a:fillRef idx="1">
+            <a:schemeClr val="accent1"/>
+          </a:fillRef>
+          <a:effectRef idx="0">
+            <a:schemeClr val="accent1"/>
+          </a:effectRef>
+          <a:fontRef idx="minor">
+            <a:schemeClr val="lt1"/>
+          </a:fontRef>
+        </p:style>
+        <p:txBody>
+          <a:bodyPr rtlCol="0" anchor="ctr"/>
+          <a:lstStyle/>
+          <a:p>
+            <a:endParaRPr lang="en-US" dirty="0">
+              <a:solidFill>
+                <a:schemeClr val="tx1"/>
+              </a:solidFill>
+            </a:endParaRPr>
+          </a:p>
+        </p:txBody>
+      </p:sp>
+      <p:sp>
+        <p:nvSpPr>
+          <p:cNvPr id="21" name="Rectangle 20">
+            <a:extLst>
+              <a:ext uri="{FF2B5EF4-FFF2-40B4-BE49-F238E27FC236}">
+                <a16:creationId xmlns:a16="http://schemas.microsoft.com/office/drawing/2014/main" id="{C48C6616-A9C9-4546-A141-DF050EEACE74}"/>
+              </a:ext>
+            </a:extLst>
+          </p:cNvPr>
+          <p:cNvSpPr/>
+          <p:nvPr/>
+        </p:nvSpPr>
+        <p:spPr>
+          <a:xfrm>
+            <a:off x="9650234" y="501703"/>
+            <a:ext cx="1330250" cy="666508"/>
+          </a:xfrm>
+          <a:prstGeom prst="rect">
+            <a:avLst/>
+          </a:prstGeom>
+          <a:solidFill>
+            <a:schemeClr val="bg1"/>
+          </a:solidFill>
+        </p:spPr>
+        <p:style>
+          <a:lnRef idx="2">
+            <a:schemeClr val="accent1">
+              <a:shade val="50000"/>
+            </a:schemeClr>
+          </a:lnRef>
+          <a:fillRef idx="1">
+            <a:schemeClr val="accent1"/>
+          </a:fillRef>
+          <a:effectRef idx="0">
+            <a:schemeClr val="accent1"/>
+          </a:effectRef>
+          <a:fontRef idx="minor">
+            <a:schemeClr val="lt1"/>
+          </a:fontRef>
+        </p:style>
+        <p:txBody>
+          <a:bodyPr rtlCol="0" anchor="ctr"/>
+          <a:lstStyle/>
+          <a:p>
+            <a:pPr algn="ctr"/>
+            <a:r>
+              <a:rPr lang="en-US" dirty="0">
+                <a:solidFill>
+                  <a:schemeClr val="tx1"/>
+                </a:solidFill>
+              </a:rPr>
+              <a:t>Search</a:t>
+            </a:r>
+          </a:p>
+        </p:txBody>
+      </p:sp>
+      <p:sp>
+        <p:nvSpPr>
+          <p:cNvPr id="22" name="Rectangle 21">
+            <a:extLst>
+              <a:ext uri="{FF2B5EF4-FFF2-40B4-BE49-F238E27FC236}">
+                <a16:creationId xmlns:a16="http://schemas.microsoft.com/office/drawing/2014/main" id="{4F0C85AE-F84F-4FF6-ACAC-EC588F1812AE}"/>
+              </a:ext>
+            </a:extLst>
+          </p:cNvPr>
+          <p:cNvSpPr/>
+          <p:nvPr/>
+        </p:nvSpPr>
+        <p:spPr>
+          <a:xfrm>
+            <a:off x="11031539" y="495258"/>
+            <a:ext cx="509697" cy="666508"/>
+          </a:xfrm>
+          <a:prstGeom prst="rect">
+            <a:avLst/>
+          </a:prstGeom>
+          <a:solidFill>
+            <a:schemeClr val="bg2"/>
+          </a:solidFill>
+        </p:spPr>
+        <p:style>
+          <a:lnRef idx="2">
+            <a:schemeClr val="accent1">
+              <a:shade val="50000"/>
+            </a:schemeClr>
+          </a:lnRef>
+          <a:fillRef idx="1">
+            <a:schemeClr val="accent1"/>
+          </a:fillRef>
+          <a:effectRef idx="0">
+            <a:schemeClr val="accent1"/>
+          </a:effectRef>
+          <a:fontRef idx="minor">
+            <a:schemeClr val="lt1"/>
+          </a:fontRef>
+        </p:style>
+        <p:txBody>
+          <a:bodyPr rtlCol="0" anchor="ctr"/>
+          <a:lstStyle/>
+          <a:p>
+            <a:pPr algn="ctr"/>
+            <a:r>
+              <a:rPr lang="en-US" dirty="0">
+                <a:solidFill>
+                  <a:schemeClr val="tx1"/>
+                </a:solidFill>
+              </a:rPr>
+              <a:t>O</a:t>
+            </a:r>
+          </a:p>
+        </p:txBody>
+      </p:sp>
+      <p:sp>
+        <p:nvSpPr>
+          <p:cNvPr id="23" name="Rectangle 22">
+            <a:extLst>
+              <a:ext uri="{FF2B5EF4-FFF2-40B4-BE49-F238E27FC236}">
+                <a16:creationId xmlns:a16="http://schemas.microsoft.com/office/drawing/2014/main" id="{59715803-F233-4AB6-8EE9-80EB719E16E9}"/>
+              </a:ext>
+            </a:extLst>
+          </p:cNvPr>
+          <p:cNvSpPr/>
+          <p:nvPr/>
+        </p:nvSpPr>
+        <p:spPr>
+          <a:xfrm>
+            <a:off x="4000647" y="518072"/>
+            <a:ext cx="1234107" cy="666508"/>
+          </a:xfrm>
+          <a:prstGeom prst="rect">
+            <a:avLst/>
+          </a:prstGeom>
+          <a:solidFill>
+            <a:schemeClr val="bg2"/>
+          </a:solidFill>
+        </p:spPr>
+        <p:style>
+          <a:lnRef idx="2">
+            <a:schemeClr val="accent1">
+              <a:shade val="50000"/>
+            </a:schemeClr>
+          </a:lnRef>
+          <a:fillRef idx="1">
+            <a:schemeClr val="accent1"/>
+          </a:fillRef>
+          <a:effectRef idx="0">
+            <a:schemeClr val="accent1"/>
+          </a:effectRef>
+          <a:fontRef idx="minor">
+            <a:schemeClr val="lt1"/>
+          </a:fontRef>
+        </p:style>
+        <p:txBody>
+          <a:bodyPr rtlCol="0" anchor="ctr"/>
+          <a:lstStyle/>
+          <a:p>
+            <a:pPr algn="ctr"/>
+            <a:r>
+              <a:rPr lang="en-US" dirty="0">
+                <a:solidFill>
+                  <a:schemeClr val="tx1"/>
+                </a:solidFill>
+              </a:rPr>
+              <a:t>About</a:t>
+            </a:r>
+          </a:p>
+        </p:txBody>
+      </p:sp>
+      <p:sp>
+        <p:nvSpPr>
+          <p:cNvPr id="24" name="Rectangle 23">
+            <a:extLst>
+              <a:ext uri="{FF2B5EF4-FFF2-40B4-BE49-F238E27FC236}">
+                <a16:creationId xmlns:a16="http://schemas.microsoft.com/office/drawing/2014/main" id="{F8F3F066-7AD7-4344-9722-177208307CB2}"/>
+              </a:ext>
+            </a:extLst>
+          </p:cNvPr>
+          <p:cNvSpPr/>
+          <p:nvPr/>
+        </p:nvSpPr>
+        <p:spPr>
+          <a:xfrm>
+            <a:off x="5290279" y="516792"/>
+            <a:ext cx="1234107" cy="666508"/>
+          </a:xfrm>
+          <a:prstGeom prst="rect">
+            <a:avLst/>
+          </a:prstGeom>
+          <a:solidFill>
+            <a:schemeClr val="bg2"/>
+          </a:solidFill>
+        </p:spPr>
+        <p:style>
+          <a:lnRef idx="2">
+            <a:schemeClr val="accent1">
+              <a:shade val="50000"/>
+            </a:schemeClr>
+          </a:lnRef>
+          <a:fillRef idx="1">
+            <a:schemeClr val="accent1"/>
+          </a:fillRef>
+          <a:effectRef idx="0">
+            <a:schemeClr val="accent1"/>
+          </a:effectRef>
+          <a:fontRef idx="minor">
+            <a:schemeClr val="lt1"/>
+          </a:fontRef>
+        </p:style>
+        <p:txBody>
+          <a:bodyPr rtlCol="0" anchor="ctr"/>
+          <a:lstStyle/>
+          <a:p>
+            <a:pPr algn="ctr"/>
+            <a:r>
+              <a:rPr lang="en-US" dirty="0">
+                <a:solidFill>
+                  <a:schemeClr val="tx1"/>
+                </a:solidFill>
+              </a:rPr>
+              <a:t>Help</a:t>
+            </a:r>
+          </a:p>
+        </p:txBody>
+      </p:sp>
+      <p:sp>
+        <p:nvSpPr>
+          <p:cNvPr id="25" name="Rectangle 24">
+            <a:extLst>
+              <a:ext uri="{FF2B5EF4-FFF2-40B4-BE49-F238E27FC236}">
+                <a16:creationId xmlns:a16="http://schemas.microsoft.com/office/drawing/2014/main" id="{C13E639A-1714-487B-A288-8A875B88C728}"/>
+              </a:ext>
+            </a:extLst>
+          </p:cNvPr>
+          <p:cNvSpPr/>
+          <p:nvPr/>
+        </p:nvSpPr>
+        <p:spPr>
+          <a:xfrm>
+            <a:off x="650764" y="1298602"/>
+            <a:ext cx="928780" cy="369332"/>
+          </a:xfrm>
+          <a:prstGeom prst="rect">
+            <a:avLst/>
+          </a:prstGeom>
+        </p:spPr>
+        <p:txBody>
+          <a:bodyPr wrap="none">
+            <a:spAutoFit/>
+          </a:bodyPr>
+          <a:lstStyle/>
+          <a:p>
+            <a:r>
+              <a:rPr lang="en-US" dirty="0"/>
+              <a:t>Settings</a:t>
+            </a:r>
+          </a:p>
+        </p:txBody>
+      </p:sp>
+      <p:sp>
+        <p:nvSpPr>
+          <p:cNvPr id="26" name="Rectangle 25">
+            <a:extLst>
+              <a:ext uri="{FF2B5EF4-FFF2-40B4-BE49-F238E27FC236}">
+                <a16:creationId xmlns:a16="http://schemas.microsoft.com/office/drawing/2014/main" id="{1ADF2935-73BE-4ADD-A3A3-3DBB982958E4}"/>
+              </a:ext>
+            </a:extLst>
+          </p:cNvPr>
+          <p:cNvSpPr/>
+          <p:nvPr/>
+        </p:nvSpPr>
+        <p:spPr>
+          <a:xfrm>
+            <a:off x="2603606" y="1430884"/>
+            <a:ext cx="4373790" cy="851274"/>
+          </a:xfrm>
+          <a:prstGeom prst="rect">
+            <a:avLst/>
+          </a:prstGeom>
+          <a:solidFill>
+            <a:schemeClr val="bg2"/>
+          </a:solidFill>
+        </p:spPr>
+        <p:style>
+          <a:lnRef idx="2">
+            <a:schemeClr val="accent1">
+              <a:shade val="50000"/>
+            </a:schemeClr>
+          </a:lnRef>
+          <a:fillRef idx="1">
+            <a:schemeClr val="accent1"/>
+          </a:fillRef>
+          <a:effectRef idx="0">
+            <a:schemeClr val="accent1"/>
+          </a:effectRef>
+          <a:fontRef idx="minor">
+            <a:schemeClr val="lt1"/>
+          </a:fontRef>
+        </p:style>
+        <p:txBody>
+          <a:bodyPr rtlCol="0" anchor="ctr"/>
+          <a:lstStyle/>
+          <a:p>
+            <a:r>
+              <a:rPr lang="en-US" dirty="0">
+                <a:solidFill>
+                  <a:schemeClr val="tx1"/>
+                </a:solidFill>
+              </a:rPr>
+              <a:t>Camera: (WGS84/PROJ) X: Y: alt:</a:t>
+            </a:r>
+          </a:p>
+          <a:p>
+            <a:r>
+              <a:rPr lang="en-US" dirty="0">
+                <a:solidFill>
+                  <a:schemeClr val="tx1"/>
+                </a:solidFill>
+              </a:rPr>
+              <a:t>Look At: “” “” “”</a:t>
+            </a:r>
+          </a:p>
+          <a:p>
+            <a:r>
+              <a:rPr lang="en-US" dirty="0">
+                <a:solidFill>
+                  <a:schemeClr val="tx1"/>
+                </a:solidFill>
+              </a:rPr>
+              <a:t>Cursor: </a:t>
+            </a:r>
+          </a:p>
+        </p:txBody>
+      </p:sp>
+      <p:sp>
+        <p:nvSpPr>
+          <p:cNvPr id="27" name="Oval 26">
+            <a:extLst>
+              <a:ext uri="{FF2B5EF4-FFF2-40B4-BE49-F238E27FC236}">
+                <a16:creationId xmlns:a16="http://schemas.microsoft.com/office/drawing/2014/main" id="{29024422-515E-4808-BE8A-5E295FD97A33}"/>
+              </a:ext>
+            </a:extLst>
+          </p:cNvPr>
+          <p:cNvSpPr/>
+          <p:nvPr/>
+        </p:nvSpPr>
+        <p:spPr>
+          <a:xfrm>
+            <a:off x="6014075" y="3807499"/>
+            <a:ext cx="180305" cy="180305"/>
+          </a:xfrm>
+          <a:prstGeom prst="ellipse">
+            <a:avLst/>
+          </a:prstGeom>
+        </p:spPr>
+        <p:style>
+          <a:lnRef idx="2">
+            <a:schemeClr val="accent1">
+              <a:shade val="50000"/>
+            </a:schemeClr>
+          </a:lnRef>
+          <a:fillRef idx="1">
+            <a:schemeClr val="accent1"/>
+          </a:fillRef>
+          <a:effectRef idx="0">
+            <a:schemeClr val="accent1"/>
+          </a:effectRef>
+          <a:fontRef idx="minor">
+            <a:schemeClr val="lt1"/>
+          </a:fontRef>
+        </p:style>
+        <p:txBody>
+          <a:bodyPr rtlCol="0" anchor="ctr"/>
+          <a:lstStyle/>
+          <a:p>
+            <a:pPr algn="ctr"/>
+            <a:endParaRPr lang="en-US"/>
+          </a:p>
+        </p:txBody>
+      </p:sp>
+      <p:sp>
+        <p:nvSpPr>
+          <p:cNvPr id="29" name="Trapezoid 28">
+            <a:extLst>
+              <a:ext uri="{FF2B5EF4-FFF2-40B4-BE49-F238E27FC236}">
+                <a16:creationId xmlns:a16="http://schemas.microsoft.com/office/drawing/2014/main" id="{5D62539C-A249-45B4-BB34-81D58F4ABFBB}"/>
+              </a:ext>
+            </a:extLst>
+          </p:cNvPr>
+          <p:cNvSpPr/>
+          <p:nvPr/>
+        </p:nvSpPr>
+        <p:spPr>
+          <a:xfrm rot="6279573">
+            <a:off x="3803251" y="2472829"/>
+            <a:ext cx="1774594" cy="2062564"/>
+          </a:xfrm>
+          <a:prstGeom prst="trapezoid">
+            <a:avLst/>
+          </a:prstGeom>
+        </p:spPr>
+        <p:style>
+          <a:lnRef idx="2">
+            <a:schemeClr val="accent1">
+              <a:shade val="50000"/>
+            </a:schemeClr>
+          </a:lnRef>
+          <a:fillRef idx="1">
+            <a:schemeClr val="accent1"/>
+          </a:fillRef>
+          <a:effectRef idx="0">
+            <a:schemeClr val="accent1"/>
+          </a:effectRef>
+          <a:fontRef idx="minor">
+            <a:schemeClr val="lt1"/>
+          </a:fontRef>
+        </p:style>
+        <p:txBody>
+          <a:bodyPr rtlCol="0" anchor="ctr"/>
+          <a:lstStyle/>
+          <a:p>
+            <a:pPr algn="ctr"/>
+            <a:endParaRPr lang="en-US" dirty="0"/>
+          </a:p>
+        </p:txBody>
+      </p:sp>
+      <p:sp>
+        <p:nvSpPr>
+          <p:cNvPr id="28" name="Oval 27">
+            <a:extLst>
+              <a:ext uri="{FF2B5EF4-FFF2-40B4-BE49-F238E27FC236}">
+                <a16:creationId xmlns:a16="http://schemas.microsoft.com/office/drawing/2014/main" id="{E8499ADF-DE25-4472-9940-259E30C10F39}"/>
+              </a:ext>
+            </a:extLst>
+          </p:cNvPr>
+          <p:cNvSpPr/>
+          <p:nvPr/>
+        </p:nvSpPr>
+        <p:spPr>
+          <a:xfrm>
+            <a:off x="4838409" y="3548838"/>
+            <a:ext cx="180305" cy="180305"/>
+          </a:xfrm>
+          <a:prstGeom prst="ellipse">
+            <a:avLst/>
+          </a:prstGeom>
+        </p:spPr>
+        <p:style>
+          <a:lnRef idx="2">
+            <a:schemeClr val="dk1">
+              <a:shade val="50000"/>
+            </a:schemeClr>
+          </a:lnRef>
+          <a:fillRef idx="1">
+            <a:schemeClr val="dk1"/>
+          </a:fillRef>
+          <a:effectRef idx="0">
+            <a:schemeClr val="dk1"/>
+          </a:effectRef>
+          <a:fontRef idx="minor">
+            <a:schemeClr val="lt1"/>
+          </a:fontRef>
+        </p:style>
+        <p:txBody>
+          <a:bodyPr rtlCol="0" anchor="ctr"/>
+          <a:lstStyle/>
+          <a:p>
+            <a:pPr algn="ctr"/>
+            <a:endParaRPr lang="en-US"/>
+          </a:p>
+        </p:txBody>
+      </p:sp>
+      <p:sp>
+        <p:nvSpPr>
+          <p:cNvPr id="31" name="Rectangle 30">
+            <a:extLst>
+              <a:ext uri="{FF2B5EF4-FFF2-40B4-BE49-F238E27FC236}">
+                <a16:creationId xmlns:a16="http://schemas.microsoft.com/office/drawing/2014/main" id="{C0C67AAA-7021-43C2-8F2C-7364D7878828}"/>
+              </a:ext>
+            </a:extLst>
+          </p:cNvPr>
+          <p:cNvSpPr/>
+          <p:nvPr/>
+        </p:nvSpPr>
+        <p:spPr>
+          <a:xfrm>
+            <a:off x="10230564" y="4775089"/>
+            <a:ext cx="313581" cy="1382241"/>
+          </a:xfrm>
+          <a:prstGeom prst="rect">
+            <a:avLst/>
+          </a:prstGeom>
+          <a:solidFill>
+            <a:schemeClr val="bg2"/>
+          </a:solidFill>
+        </p:spPr>
+        <p:style>
+          <a:lnRef idx="2">
+            <a:schemeClr val="accent1">
+              <a:shade val="50000"/>
+            </a:schemeClr>
+          </a:lnRef>
+          <a:fillRef idx="1">
+            <a:schemeClr val="accent1"/>
+          </a:fillRef>
+          <a:effectRef idx="0">
+            <a:schemeClr val="accent1"/>
+          </a:effectRef>
+          <a:fontRef idx="minor">
+            <a:schemeClr val="lt1"/>
+          </a:fontRef>
+        </p:style>
+        <p:txBody>
+          <a:bodyPr rtlCol="0" anchor="ctr"/>
+          <a:lstStyle/>
+          <a:p>
+            <a:r>
+              <a:rPr lang="en-US" dirty="0">
+                <a:solidFill>
+                  <a:schemeClr val="tx1"/>
+                </a:solidFill>
+              </a:rPr>
+              <a:t>color</a:t>
+            </a:r>
+          </a:p>
+        </p:txBody>
+      </p:sp>
+    </p:spTree>
+    <p:extLst>
+      <p:ext uri="{BB962C8B-B14F-4D97-AF65-F5344CB8AC3E}">
+        <p14:creationId xmlns:p14="http://schemas.microsoft.com/office/powerpoint/2010/main" val="1863035426"/>
       </p:ext>
     </p:extLst>
   </p:cSld>
